--- a/Support Vector Machines/svm - Copy.pptx
+++ b/Support Vector Machines/svm - Copy.pptx
@@ -1073,753 +1073,6 @@
 </dgm:colorsDef>
 </file>
 
-<file path=ppt/diagrams/colors2.xml><?xml version="1.0" encoding="utf-8"?>
-<dgm:colorsDef xmlns:dgm="http://schemas.openxmlformats.org/drawingml/2006/diagram" xmlns:a="http://schemas.openxmlformats.org/drawingml/2006/main" uniqueId="urn:microsoft.com/office/officeart/2005/8/colors/accent1_2">
-  <dgm:title val=""/>
-  <dgm:desc val=""/>
-  <dgm:catLst>
-    <dgm:cat type="accent1" pri="11200"/>
-  </dgm:catLst>
-  <dgm:styleLbl name="node0">
-    <dgm:fillClrLst meth="repeat">
-      <a:schemeClr val="accent1"/>
-    </dgm:fillClrLst>
-    <dgm:linClrLst meth="repeat">
-      <a:schemeClr val="lt1"/>
-    </dgm:linClrLst>
-    <dgm:effectClrLst/>
-    <dgm:txLinClrLst/>
-    <dgm:txFillClrLst/>
-    <dgm:txEffectClrLst/>
-  </dgm:styleLbl>
-  <dgm:styleLbl name="alignNode1">
-    <dgm:fillClrLst meth="repeat">
-      <a:schemeClr val="accent1"/>
-    </dgm:fillClrLst>
-    <dgm:linClrLst meth="repeat">
-      <a:schemeClr val="accent1"/>
-    </dgm:linClrLst>
-    <dgm:effectClrLst/>
-    <dgm:txLinClrLst/>
-    <dgm:txFillClrLst/>
-    <dgm:txEffectClrLst/>
-  </dgm:styleLbl>
-  <dgm:styleLbl name="node1">
-    <dgm:fillClrLst meth="repeat">
-      <a:schemeClr val="accent1"/>
-    </dgm:fillClrLst>
-    <dgm:linClrLst meth="repeat">
-      <a:schemeClr val="lt1"/>
-    </dgm:linClrLst>
-    <dgm:effectClrLst/>
-    <dgm:txLinClrLst/>
-    <dgm:txFillClrLst/>
-    <dgm:txEffectClrLst/>
-  </dgm:styleLbl>
-  <dgm:styleLbl name="lnNode1">
-    <dgm:fillClrLst meth="repeat">
-      <a:schemeClr val="accent1"/>
-    </dgm:fillClrLst>
-    <dgm:linClrLst meth="repeat">
-      <a:schemeClr val="lt1"/>
-    </dgm:linClrLst>
-    <dgm:effectClrLst/>
-    <dgm:txLinClrLst/>
-    <dgm:txFillClrLst/>
-    <dgm:txEffectClrLst/>
-  </dgm:styleLbl>
-  <dgm:styleLbl name="vennNode1">
-    <dgm:fillClrLst meth="repeat">
-      <a:schemeClr val="accent1">
-        <a:alpha val="50000"/>
-      </a:schemeClr>
-    </dgm:fillClrLst>
-    <dgm:linClrLst meth="repeat">
-      <a:schemeClr val="lt1"/>
-    </dgm:linClrLst>
-    <dgm:effectClrLst/>
-    <dgm:txLinClrLst/>
-    <dgm:txFillClrLst/>
-    <dgm:txEffectClrLst/>
-  </dgm:styleLbl>
-  <dgm:styleLbl name="node2">
-    <dgm:fillClrLst meth="repeat">
-      <a:schemeClr val="accent1"/>
-    </dgm:fillClrLst>
-    <dgm:linClrLst meth="repeat">
-      <a:schemeClr val="lt1"/>
-    </dgm:linClrLst>
-    <dgm:effectClrLst/>
-    <dgm:txLinClrLst/>
-    <dgm:txFillClrLst/>
-    <dgm:txEffectClrLst/>
-  </dgm:styleLbl>
-  <dgm:styleLbl name="node3">
-    <dgm:fillClrLst meth="repeat">
-      <a:schemeClr val="accent1"/>
-    </dgm:fillClrLst>
-    <dgm:linClrLst meth="repeat">
-      <a:schemeClr val="lt1"/>
-    </dgm:linClrLst>
-    <dgm:effectClrLst/>
-    <dgm:txLinClrLst/>
-    <dgm:txFillClrLst/>
-    <dgm:txEffectClrLst/>
-  </dgm:styleLbl>
-  <dgm:styleLbl name="node4">
-    <dgm:fillClrLst meth="repeat">
-      <a:schemeClr val="accent1"/>
-    </dgm:fillClrLst>
-    <dgm:linClrLst meth="repeat">
-      <a:schemeClr val="lt1"/>
-    </dgm:linClrLst>
-    <dgm:effectClrLst/>
-    <dgm:txLinClrLst/>
-    <dgm:txFillClrLst/>
-    <dgm:txEffectClrLst/>
-  </dgm:styleLbl>
-  <dgm:styleLbl name="fgImgPlace1">
-    <dgm:fillClrLst meth="repeat">
-      <a:schemeClr val="accent1">
-        <a:tint val="50000"/>
-      </a:schemeClr>
-    </dgm:fillClrLst>
-    <dgm:linClrLst meth="repeat">
-      <a:schemeClr val="lt1"/>
-    </dgm:linClrLst>
-    <dgm:effectClrLst/>
-    <dgm:txLinClrLst/>
-    <dgm:txFillClrLst meth="repeat">
-      <a:schemeClr val="lt1"/>
-    </dgm:txFillClrLst>
-    <dgm:txEffectClrLst/>
-  </dgm:styleLbl>
-  <dgm:styleLbl name="alignImgPlace1">
-    <dgm:fillClrLst meth="repeat">
-      <a:schemeClr val="accent1">
-        <a:tint val="50000"/>
-      </a:schemeClr>
-    </dgm:fillClrLst>
-    <dgm:linClrLst meth="repeat">
-      <a:schemeClr val="lt1"/>
-    </dgm:linClrLst>
-    <dgm:effectClrLst/>
-    <dgm:txLinClrLst/>
-    <dgm:txFillClrLst meth="repeat">
-      <a:schemeClr val="lt1"/>
-    </dgm:txFillClrLst>
-    <dgm:txEffectClrLst/>
-  </dgm:styleLbl>
-  <dgm:styleLbl name="bgImgPlace1">
-    <dgm:fillClrLst meth="repeat">
-      <a:schemeClr val="accent1">
-        <a:tint val="50000"/>
-      </a:schemeClr>
-    </dgm:fillClrLst>
-    <dgm:linClrLst meth="repeat">
-      <a:schemeClr val="lt1"/>
-    </dgm:linClrLst>
-    <dgm:effectClrLst/>
-    <dgm:txLinClrLst/>
-    <dgm:txFillClrLst meth="repeat">
-      <a:schemeClr val="lt1"/>
-    </dgm:txFillClrLst>
-    <dgm:txEffectClrLst/>
-  </dgm:styleLbl>
-  <dgm:styleLbl name="sibTrans2D1">
-    <dgm:fillClrLst meth="repeat">
-      <a:schemeClr val="accent1">
-        <a:tint val="60000"/>
-      </a:schemeClr>
-    </dgm:fillClrLst>
-    <dgm:linClrLst meth="repeat">
-      <a:schemeClr val="accent1">
-        <a:tint val="60000"/>
-      </a:schemeClr>
-    </dgm:linClrLst>
-    <dgm:effectClrLst/>
-    <dgm:txLinClrLst/>
-    <dgm:txFillClrLst/>
-    <dgm:txEffectClrLst/>
-  </dgm:styleLbl>
-  <dgm:styleLbl name="fgSibTrans2D1">
-    <dgm:fillClrLst meth="repeat">
-      <a:schemeClr val="accent1">
-        <a:tint val="60000"/>
-      </a:schemeClr>
-    </dgm:fillClrLst>
-    <dgm:linClrLst meth="repeat">
-      <a:schemeClr val="accent1">
-        <a:tint val="60000"/>
-      </a:schemeClr>
-    </dgm:linClrLst>
-    <dgm:effectClrLst/>
-    <dgm:txLinClrLst/>
-    <dgm:txFillClrLst/>
-    <dgm:txEffectClrLst/>
-  </dgm:styleLbl>
-  <dgm:styleLbl name="bgSibTrans2D1">
-    <dgm:fillClrLst meth="repeat">
-      <a:schemeClr val="accent1">
-        <a:tint val="60000"/>
-      </a:schemeClr>
-    </dgm:fillClrLst>
-    <dgm:linClrLst meth="repeat">
-      <a:schemeClr val="accent1">
-        <a:tint val="60000"/>
-      </a:schemeClr>
-    </dgm:linClrLst>
-    <dgm:effectClrLst/>
-    <dgm:txLinClrLst/>
-    <dgm:txFillClrLst/>
-    <dgm:txEffectClrLst/>
-  </dgm:styleLbl>
-  <dgm:styleLbl name="sibTrans1D1">
-    <dgm:fillClrLst meth="repeat">
-      <a:schemeClr val="accent1"/>
-    </dgm:fillClrLst>
-    <dgm:linClrLst meth="repeat">
-      <a:schemeClr val="accent1"/>
-    </dgm:linClrLst>
-    <dgm:effectClrLst/>
-    <dgm:txLinClrLst/>
-    <dgm:txFillClrLst meth="repeat">
-      <a:schemeClr val="tx1"/>
-    </dgm:txFillClrLst>
-    <dgm:txEffectClrLst/>
-  </dgm:styleLbl>
-  <dgm:styleLbl name="callout">
-    <dgm:fillClrLst meth="repeat">
-      <a:schemeClr val="accent1"/>
-    </dgm:fillClrLst>
-    <dgm:linClrLst meth="repeat">
-      <a:schemeClr val="accent1">
-        <a:tint val="50000"/>
-      </a:schemeClr>
-    </dgm:linClrLst>
-    <dgm:effectClrLst/>
-    <dgm:txLinClrLst/>
-    <dgm:txFillClrLst meth="repeat">
-      <a:schemeClr val="tx1"/>
-    </dgm:txFillClrLst>
-    <dgm:txEffectClrLst/>
-  </dgm:styleLbl>
-  <dgm:styleLbl name="asst0">
-    <dgm:fillClrLst meth="repeat">
-      <a:schemeClr val="accent1"/>
-    </dgm:fillClrLst>
-    <dgm:linClrLst meth="repeat">
-      <a:schemeClr val="lt1"/>
-    </dgm:linClrLst>
-    <dgm:effectClrLst/>
-    <dgm:txLinClrLst/>
-    <dgm:txFillClrLst/>
-    <dgm:txEffectClrLst/>
-  </dgm:styleLbl>
-  <dgm:styleLbl name="asst1">
-    <dgm:fillClrLst meth="repeat">
-      <a:schemeClr val="accent1"/>
-    </dgm:fillClrLst>
-    <dgm:linClrLst meth="repeat">
-      <a:schemeClr val="lt1"/>
-    </dgm:linClrLst>
-    <dgm:effectClrLst/>
-    <dgm:txLinClrLst/>
-    <dgm:txFillClrLst/>
-    <dgm:txEffectClrLst/>
-  </dgm:styleLbl>
-  <dgm:styleLbl name="asst2">
-    <dgm:fillClrLst meth="repeat">
-      <a:schemeClr val="accent1"/>
-    </dgm:fillClrLst>
-    <dgm:linClrLst meth="repeat">
-      <a:schemeClr val="lt1"/>
-    </dgm:linClrLst>
-    <dgm:effectClrLst/>
-    <dgm:txLinClrLst/>
-    <dgm:txFillClrLst/>
-    <dgm:txEffectClrLst/>
-  </dgm:styleLbl>
-  <dgm:styleLbl name="asst3">
-    <dgm:fillClrLst meth="repeat">
-      <a:schemeClr val="accent1"/>
-    </dgm:fillClrLst>
-    <dgm:linClrLst meth="repeat">
-      <a:schemeClr val="lt1"/>
-    </dgm:linClrLst>
-    <dgm:effectClrLst/>
-    <dgm:txLinClrLst/>
-    <dgm:txFillClrLst/>
-    <dgm:txEffectClrLst/>
-  </dgm:styleLbl>
-  <dgm:styleLbl name="asst4">
-    <dgm:fillClrLst meth="repeat">
-      <a:schemeClr val="accent1"/>
-    </dgm:fillClrLst>
-    <dgm:linClrLst meth="repeat">
-      <a:schemeClr val="lt1"/>
-    </dgm:linClrLst>
-    <dgm:effectClrLst/>
-    <dgm:txLinClrLst/>
-    <dgm:txFillClrLst/>
-    <dgm:txEffectClrLst/>
-  </dgm:styleLbl>
-  <dgm:styleLbl name="parChTrans2D1">
-    <dgm:fillClrLst meth="repeat">
-      <a:schemeClr val="accent1">
-        <a:tint val="60000"/>
-      </a:schemeClr>
-    </dgm:fillClrLst>
-    <dgm:linClrLst meth="repeat">
-      <a:schemeClr val="accent1">
-        <a:tint val="60000"/>
-      </a:schemeClr>
-    </dgm:linClrLst>
-    <dgm:effectClrLst/>
-    <dgm:txLinClrLst/>
-    <dgm:txFillClrLst meth="repeat">
-      <a:schemeClr val="lt1"/>
-    </dgm:txFillClrLst>
-    <dgm:txEffectClrLst/>
-  </dgm:styleLbl>
-  <dgm:styleLbl name="parChTrans2D2">
-    <dgm:fillClrLst meth="repeat">
-      <a:schemeClr val="accent1"/>
-    </dgm:fillClrLst>
-    <dgm:linClrLst meth="repeat">
-      <a:schemeClr val="accent1"/>
-    </dgm:linClrLst>
-    <dgm:effectClrLst/>
-    <dgm:txLinClrLst/>
-    <dgm:txFillClrLst meth="repeat">
-      <a:schemeClr val="lt1"/>
-    </dgm:txFillClrLst>
-    <dgm:txEffectClrLst/>
-  </dgm:styleLbl>
-  <dgm:styleLbl name="parChTrans2D3">
-    <dgm:fillClrLst meth="repeat">
-      <a:schemeClr val="accent1"/>
-    </dgm:fillClrLst>
-    <dgm:linClrLst meth="repeat">
-      <a:schemeClr val="accent1"/>
-    </dgm:linClrLst>
-    <dgm:effectClrLst/>
-    <dgm:txLinClrLst/>
-    <dgm:txFillClrLst meth="repeat">
-      <a:schemeClr val="lt1"/>
-    </dgm:txFillClrLst>
-    <dgm:txEffectClrLst/>
-  </dgm:styleLbl>
-  <dgm:styleLbl name="parChTrans2D4">
-    <dgm:fillClrLst meth="repeat">
-      <a:schemeClr val="accent1"/>
-    </dgm:fillClrLst>
-    <dgm:linClrLst meth="repeat">
-      <a:schemeClr val="accent1"/>
-    </dgm:linClrLst>
-    <dgm:effectClrLst/>
-    <dgm:txLinClrLst/>
-    <dgm:txFillClrLst meth="repeat">
-      <a:schemeClr val="lt1"/>
-    </dgm:txFillClrLst>
-    <dgm:txEffectClrLst/>
-  </dgm:styleLbl>
-  <dgm:styleLbl name="parChTrans1D1">
-    <dgm:fillClrLst meth="repeat">
-      <a:schemeClr val="accent1"/>
-    </dgm:fillClrLst>
-    <dgm:linClrLst meth="repeat">
-      <a:schemeClr val="accent1">
-        <a:shade val="60000"/>
-      </a:schemeClr>
-    </dgm:linClrLst>
-    <dgm:effectClrLst/>
-    <dgm:txLinClrLst/>
-    <dgm:txFillClrLst meth="repeat">
-      <a:schemeClr val="tx1"/>
-    </dgm:txFillClrLst>
-    <dgm:txEffectClrLst/>
-  </dgm:styleLbl>
-  <dgm:styleLbl name="parChTrans1D2">
-    <dgm:fillClrLst meth="repeat">
-      <a:schemeClr val="accent1"/>
-    </dgm:fillClrLst>
-    <dgm:linClrLst meth="repeat">
-      <a:schemeClr val="accent1">
-        <a:shade val="60000"/>
-      </a:schemeClr>
-    </dgm:linClrLst>
-    <dgm:effectClrLst/>
-    <dgm:txLinClrLst/>
-    <dgm:txFillClrLst meth="repeat">
-      <a:schemeClr val="tx1"/>
-    </dgm:txFillClrLst>
-    <dgm:txEffectClrLst/>
-  </dgm:styleLbl>
-  <dgm:styleLbl name="parChTrans1D3">
-    <dgm:fillClrLst meth="repeat">
-      <a:schemeClr val="accent1"/>
-    </dgm:fillClrLst>
-    <dgm:linClrLst meth="repeat">
-      <a:schemeClr val="accent1">
-        <a:shade val="80000"/>
-      </a:schemeClr>
-    </dgm:linClrLst>
-    <dgm:effectClrLst/>
-    <dgm:txLinClrLst/>
-    <dgm:txFillClrLst meth="repeat">
-      <a:schemeClr val="tx1"/>
-    </dgm:txFillClrLst>
-    <dgm:txEffectClrLst/>
-  </dgm:styleLbl>
-  <dgm:styleLbl name="parChTrans1D4">
-    <dgm:fillClrLst meth="repeat">
-      <a:schemeClr val="accent1"/>
-    </dgm:fillClrLst>
-    <dgm:linClrLst meth="repeat">
-      <a:schemeClr val="accent1">
-        <a:shade val="80000"/>
-      </a:schemeClr>
-    </dgm:linClrLst>
-    <dgm:effectClrLst/>
-    <dgm:txLinClrLst/>
-    <dgm:txFillClrLst meth="repeat">
-      <a:schemeClr val="tx1"/>
-    </dgm:txFillClrLst>
-    <dgm:txEffectClrLst/>
-  </dgm:styleLbl>
-  <dgm:styleLbl name="fgAcc1">
-    <dgm:fillClrLst meth="repeat">
-      <a:schemeClr val="lt1">
-        <a:alpha val="90000"/>
-      </a:schemeClr>
-    </dgm:fillClrLst>
-    <dgm:linClrLst meth="repeat">
-      <a:schemeClr val="accent1"/>
-    </dgm:linClrLst>
-    <dgm:effectClrLst/>
-    <dgm:txLinClrLst/>
-    <dgm:txFillClrLst meth="repeat">
-      <a:schemeClr val="dk1"/>
-    </dgm:txFillClrLst>
-    <dgm:txEffectClrLst/>
-  </dgm:styleLbl>
-  <dgm:styleLbl name="conFgAcc1">
-    <dgm:fillClrLst meth="repeat">
-      <a:schemeClr val="lt1">
-        <a:alpha val="90000"/>
-      </a:schemeClr>
-    </dgm:fillClrLst>
-    <dgm:linClrLst meth="repeat">
-      <a:schemeClr val="accent1"/>
-    </dgm:linClrLst>
-    <dgm:effectClrLst/>
-    <dgm:txLinClrLst/>
-    <dgm:txFillClrLst meth="repeat">
-      <a:schemeClr val="dk1"/>
-    </dgm:txFillClrLst>
-    <dgm:txEffectClrLst/>
-  </dgm:styleLbl>
-  <dgm:styleLbl name="alignAcc1">
-    <dgm:fillClrLst meth="repeat">
-      <a:schemeClr val="lt1">
-        <a:alpha val="90000"/>
-      </a:schemeClr>
-    </dgm:fillClrLst>
-    <dgm:linClrLst meth="repeat">
-      <a:schemeClr val="accent1"/>
-    </dgm:linClrLst>
-    <dgm:effectClrLst/>
-    <dgm:txLinClrLst/>
-    <dgm:txFillClrLst meth="repeat">
-      <a:schemeClr val="dk1"/>
-    </dgm:txFillClrLst>
-    <dgm:txEffectClrLst/>
-  </dgm:styleLbl>
-  <dgm:styleLbl name="trAlignAcc1">
-    <dgm:fillClrLst meth="repeat">
-      <a:schemeClr val="lt1">
-        <a:alpha val="40000"/>
-      </a:schemeClr>
-    </dgm:fillClrLst>
-    <dgm:linClrLst meth="repeat">
-      <a:schemeClr val="accent1"/>
-    </dgm:linClrLst>
-    <dgm:effectClrLst/>
-    <dgm:txLinClrLst/>
-    <dgm:txFillClrLst meth="repeat">
-      <a:schemeClr val="dk1"/>
-    </dgm:txFillClrLst>
-    <dgm:txEffectClrLst/>
-  </dgm:styleLbl>
-  <dgm:styleLbl name="bgAcc1">
-    <dgm:fillClrLst meth="repeat">
-      <a:schemeClr val="lt1">
-        <a:alpha val="90000"/>
-      </a:schemeClr>
-    </dgm:fillClrLst>
-    <dgm:linClrLst meth="repeat">
-      <a:schemeClr val="accent1"/>
-    </dgm:linClrLst>
-    <dgm:effectClrLst/>
-    <dgm:txLinClrLst/>
-    <dgm:txFillClrLst meth="repeat">
-      <a:schemeClr val="dk1"/>
-    </dgm:txFillClrLst>
-    <dgm:txEffectClrLst/>
-  </dgm:styleLbl>
-  <dgm:styleLbl name="solidFgAcc1">
-    <dgm:fillClrLst meth="repeat">
-      <a:schemeClr val="lt1"/>
-    </dgm:fillClrLst>
-    <dgm:linClrLst meth="repeat">
-      <a:schemeClr val="accent1"/>
-    </dgm:linClrLst>
-    <dgm:effectClrLst/>
-    <dgm:txLinClrLst/>
-    <dgm:txFillClrLst meth="repeat">
-      <a:schemeClr val="dk1"/>
-    </dgm:txFillClrLst>
-    <dgm:txEffectClrLst/>
-  </dgm:styleLbl>
-  <dgm:styleLbl name="solidAlignAcc1">
-    <dgm:fillClrLst meth="repeat">
-      <a:schemeClr val="lt1"/>
-    </dgm:fillClrLst>
-    <dgm:linClrLst meth="repeat">
-      <a:schemeClr val="accent1"/>
-    </dgm:linClrLst>
-    <dgm:effectClrLst/>
-    <dgm:txLinClrLst/>
-    <dgm:txFillClrLst meth="repeat">
-      <a:schemeClr val="dk1"/>
-    </dgm:txFillClrLst>
-    <dgm:txEffectClrLst/>
-  </dgm:styleLbl>
-  <dgm:styleLbl name="solidBgAcc1">
-    <dgm:fillClrLst meth="repeat">
-      <a:schemeClr val="lt1"/>
-    </dgm:fillClrLst>
-    <dgm:linClrLst meth="repeat">
-      <a:schemeClr val="accent1"/>
-    </dgm:linClrLst>
-    <dgm:effectClrLst/>
-    <dgm:txLinClrLst/>
-    <dgm:txFillClrLst meth="repeat">
-      <a:schemeClr val="dk1"/>
-    </dgm:txFillClrLst>
-    <dgm:txEffectClrLst/>
-  </dgm:styleLbl>
-  <dgm:styleLbl name="fgAccFollowNode1">
-    <dgm:fillClrLst meth="repeat">
-      <a:schemeClr val="accent1">
-        <a:alpha val="90000"/>
-        <a:tint val="40000"/>
-      </a:schemeClr>
-    </dgm:fillClrLst>
-    <dgm:linClrLst meth="repeat">
-      <a:schemeClr val="accent1">
-        <a:alpha val="90000"/>
-        <a:tint val="40000"/>
-      </a:schemeClr>
-    </dgm:linClrLst>
-    <dgm:effectClrLst/>
-    <dgm:txLinClrLst/>
-    <dgm:txFillClrLst meth="repeat">
-      <a:schemeClr val="dk1"/>
-    </dgm:txFillClrLst>
-    <dgm:txEffectClrLst/>
-  </dgm:styleLbl>
-  <dgm:styleLbl name="alignAccFollowNode1">
-    <dgm:fillClrLst meth="repeat">
-      <a:schemeClr val="accent1">
-        <a:alpha val="90000"/>
-        <a:tint val="40000"/>
-      </a:schemeClr>
-    </dgm:fillClrLst>
-    <dgm:linClrLst meth="repeat">
-      <a:schemeClr val="accent1">
-        <a:alpha val="90000"/>
-        <a:tint val="40000"/>
-      </a:schemeClr>
-    </dgm:linClrLst>
-    <dgm:effectClrLst/>
-    <dgm:txLinClrLst/>
-    <dgm:txFillClrLst meth="repeat">
-      <a:schemeClr val="dk1"/>
-    </dgm:txFillClrLst>
-    <dgm:txEffectClrLst/>
-  </dgm:styleLbl>
-  <dgm:styleLbl name="bgAccFollowNode1">
-    <dgm:fillClrLst meth="repeat">
-      <a:schemeClr val="accent1">
-        <a:alpha val="90000"/>
-        <a:tint val="40000"/>
-      </a:schemeClr>
-    </dgm:fillClrLst>
-    <dgm:linClrLst meth="repeat">
-      <a:schemeClr val="accent1">
-        <a:alpha val="90000"/>
-        <a:tint val="40000"/>
-      </a:schemeClr>
-    </dgm:linClrLst>
-    <dgm:effectClrLst/>
-    <dgm:txLinClrLst/>
-    <dgm:txFillClrLst meth="repeat">
-      <a:schemeClr val="dk1"/>
-    </dgm:txFillClrLst>
-    <dgm:txEffectClrLst/>
-  </dgm:styleLbl>
-  <dgm:styleLbl name="fgAcc0">
-    <dgm:fillClrLst meth="repeat">
-      <a:schemeClr val="lt1">
-        <a:alpha val="90000"/>
-      </a:schemeClr>
-    </dgm:fillClrLst>
-    <dgm:linClrLst meth="repeat">
-      <a:schemeClr val="accent1"/>
-    </dgm:linClrLst>
-    <dgm:effectClrLst/>
-    <dgm:txLinClrLst/>
-    <dgm:txFillClrLst meth="repeat">
-      <a:schemeClr val="dk1"/>
-    </dgm:txFillClrLst>
-    <dgm:txEffectClrLst/>
-  </dgm:styleLbl>
-  <dgm:styleLbl name="fgAcc2">
-    <dgm:fillClrLst meth="repeat">
-      <a:schemeClr val="lt1">
-        <a:alpha val="90000"/>
-      </a:schemeClr>
-    </dgm:fillClrLst>
-    <dgm:linClrLst meth="repeat">
-      <a:schemeClr val="accent1"/>
-    </dgm:linClrLst>
-    <dgm:effectClrLst/>
-    <dgm:txLinClrLst/>
-    <dgm:txFillClrLst meth="repeat">
-      <a:schemeClr val="dk1"/>
-    </dgm:txFillClrLst>
-    <dgm:txEffectClrLst/>
-  </dgm:styleLbl>
-  <dgm:styleLbl name="fgAcc3">
-    <dgm:fillClrLst meth="repeat">
-      <a:schemeClr val="lt1">
-        <a:alpha val="90000"/>
-      </a:schemeClr>
-    </dgm:fillClrLst>
-    <dgm:linClrLst meth="repeat">
-      <a:schemeClr val="accent1"/>
-    </dgm:linClrLst>
-    <dgm:effectClrLst/>
-    <dgm:txLinClrLst/>
-    <dgm:txFillClrLst meth="repeat">
-      <a:schemeClr val="dk1"/>
-    </dgm:txFillClrLst>
-    <dgm:txEffectClrLst/>
-  </dgm:styleLbl>
-  <dgm:styleLbl name="fgAcc4">
-    <dgm:fillClrLst meth="repeat">
-      <a:schemeClr val="lt1">
-        <a:alpha val="90000"/>
-      </a:schemeClr>
-    </dgm:fillClrLst>
-    <dgm:linClrLst meth="repeat">
-      <a:schemeClr val="accent1"/>
-    </dgm:linClrLst>
-    <dgm:effectClrLst/>
-    <dgm:txLinClrLst/>
-    <dgm:txFillClrLst meth="repeat">
-      <a:schemeClr val="dk1"/>
-    </dgm:txFillClrLst>
-    <dgm:txEffectClrLst/>
-  </dgm:styleLbl>
-  <dgm:styleLbl name="bgShp">
-    <dgm:fillClrLst meth="repeat">
-      <a:schemeClr val="accent1">
-        <a:tint val="40000"/>
-      </a:schemeClr>
-    </dgm:fillClrLst>
-    <dgm:linClrLst meth="repeat">
-      <a:schemeClr val="accent1"/>
-    </dgm:linClrLst>
-    <dgm:effectClrLst/>
-    <dgm:txLinClrLst/>
-    <dgm:txFillClrLst meth="repeat">
-      <a:schemeClr val="dk1"/>
-    </dgm:txFillClrLst>
-    <dgm:txEffectClrLst/>
-  </dgm:styleLbl>
-  <dgm:styleLbl name="dkBgShp">
-    <dgm:fillClrLst meth="repeat">
-      <a:schemeClr val="accent1">
-        <a:shade val="80000"/>
-      </a:schemeClr>
-    </dgm:fillClrLst>
-    <dgm:linClrLst meth="repeat">
-      <a:schemeClr val="accent1"/>
-    </dgm:linClrLst>
-    <dgm:effectClrLst/>
-    <dgm:txLinClrLst/>
-    <dgm:txFillClrLst meth="repeat">
-      <a:schemeClr val="lt1"/>
-    </dgm:txFillClrLst>
-    <dgm:txEffectClrLst/>
-  </dgm:styleLbl>
-  <dgm:styleLbl name="trBgShp">
-    <dgm:fillClrLst meth="repeat">
-      <a:schemeClr val="accent1">
-        <a:tint val="50000"/>
-        <a:alpha val="40000"/>
-      </a:schemeClr>
-    </dgm:fillClrLst>
-    <dgm:linClrLst meth="repeat">
-      <a:schemeClr val="accent1"/>
-    </dgm:linClrLst>
-    <dgm:effectClrLst/>
-    <dgm:txLinClrLst/>
-    <dgm:txFillClrLst meth="repeat">
-      <a:schemeClr val="lt1"/>
-    </dgm:txFillClrLst>
-    <dgm:txEffectClrLst/>
-  </dgm:styleLbl>
-  <dgm:styleLbl name="fgShp">
-    <dgm:fillClrLst meth="repeat">
-      <a:schemeClr val="accent1">
-        <a:tint val="60000"/>
-      </a:schemeClr>
-    </dgm:fillClrLst>
-    <dgm:linClrLst meth="repeat">
-      <a:schemeClr val="lt1"/>
-    </dgm:linClrLst>
-    <dgm:effectClrLst/>
-    <dgm:txLinClrLst/>
-    <dgm:txFillClrLst meth="repeat">
-      <a:schemeClr val="dk1"/>
-    </dgm:txFillClrLst>
-    <dgm:txEffectClrLst/>
-  </dgm:styleLbl>
-  <dgm:styleLbl name="revTx">
-    <dgm:fillClrLst meth="repeat">
-      <a:schemeClr val="lt1">
-        <a:alpha val="0"/>
-      </a:schemeClr>
-    </dgm:fillClrLst>
-    <dgm:linClrLst meth="repeat">
-      <a:schemeClr val="dk1">
-        <a:alpha val="0"/>
-      </a:schemeClr>
-    </dgm:linClrLst>
-    <dgm:effectClrLst/>
-    <dgm:txLinClrLst/>
-    <dgm:txFillClrLst meth="repeat">
-      <a:schemeClr val="tx1"/>
-    </dgm:txFillClrLst>
-    <dgm:txEffectClrLst/>
-  </dgm:styleLbl>
-</dgm:colorsDef>
-</file>
-
 <file path=ppt/diagrams/data1.xml><?xml version="1.0" encoding="utf-8"?>
 <dgm:dataModel xmlns:dgm="http://schemas.openxmlformats.org/drawingml/2006/diagram" xmlns:a="http://schemas.openxmlformats.org/drawingml/2006/main">
   <dgm:ptLst>
@@ -2432,222 +1685,6 @@
   <dgm:extLst>
     <a:ext uri="http://schemas.microsoft.com/office/drawing/2008/diagram">
       <dsp:dataModelExt xmlns:dsp="http://schemas.microsoft.com/office/drawing/2008/diagram" relId="rId7" minVer="http://schemas.openxmlformats.org/drawingml/2006/diagram"/>
-    </a:ext>
-  </dgm:extLst>
-</dgm:dataModel>
-</file>
-
-<file path=ppt/diagrams/data2.xml><?xml version="1.0" encoding="utf-8"?>
-<dgm:dataModel xmlns:dgm="http://schemas.openxmlformats.org/drawingml/2006/diagram" xmlns:a="http://schemas.openxmlformats.org/drawingml/2006/main">
-  <dgm:ptLst>
-    <dgm:pt modelId="{EACD9EA3-5B14-4B78-A381-D130B6A5FA28}" type="doc">
-      <dgm:prSet loTypeId="urn:microsoft.com/office/officeart/2005/8/layout/process2" loCatId="process" qsTypeId="urn:microsoft.com/office/officeart/2005/8/quickstyle/simple4" qsCatId="simple" csTypeId="urn:microsoft.com/office/officeart/2005/8/colors/accent1_2" csCatId="accent1" phldr="1"/>
-      <dgm:spPr/>
-      <dgm:t>
-        <a:bodyPr/>
-        <a:lstStyle/>
-        <a:p>
-          <a:endParaRPr lang="en-IN"/>
-        </a:p>
-      </dgm:t>
-    </dgm:pt>
-    <dgm:pt modelId="{785584D2-9B45-46E0-B4BC-04722309C3B6}">
-      <dgm:prSet phldrT="[Text]"/>
-      <dgm:spPr/>
-      <dgm:t>
-        <a:bodyPr/>
-        <a:lstStyle/>
-        <a:p>
-          <a:r>
-            <a:rPr lang="en-US" dirty="0">
-              <a:latin typeface="BankGothic Md BT" panose="020B0807020203060204" pitchFamily="34" charset="0"/>
-            </a:rPr>
-            <a:t>Start with data in lower dimension</a:t>
-          </a:r>
-          <a:endParaRPr lang="en-IN" dirty="0">
-            <a:latin typeface="BankGothic Md BT" panose="020B0807020203060204" pitchFamily="34" charset="0"/>
-          </a:endParaRPr>
-        </a:p>
-      </dgm:t>
-    </dgm:pt>
-    <dgm:pt modelId="{14749216-8F12-46F9-AD3C-10383906E841}" type="parTrans" cxnId="{F49D2F7F-712C-4011-8839-350F68EB1432}">
-      <dgm:prSet/>
-      <dgm:spPr/>
-      <dgm:t>
-        <a:bodyPr/>
-        <a:lstStyle/>
-        <a:p>
-          <a:endParaRPr lang="en-IN"/>
-        </a:p>
-      </dgm:t>
-    </dgm:pt>
-    <dgm:pt modelId="{2877596B-0270-41B4-84A6-1318E78E239E}" type="sibTrans" cxnId="{F49D2F7F-712C-4011-8839-350F68EB1432}">
-      <dgm:prSet/>
-      <dgm:spPr/>
-      <dgm:t>
-        <a:bodyPr/>
-        <a:lstStyle/>
-        <a:p>
-          <a:endParaRPr lang="en-IN"/>
-        </a:p>
-      </dgm:t>
-    </dgm:pt>
-    <dgm:pt modelId="{ACBFEB8C-6A18-4A8E-BC44-528463D759BB}">
-      <dgm:prSet phldrT="[Text]"/>
-      <dgm:spPr/>
-      <dgm:t>
-        <a:bodyPr/>
-        <a:lstStyle/>
-        <a:p>
-          <a:r>
-            <a:rPr lang="en-US" dirty="0">
-              <a:latin typeface="BankGothic Md BT" panose="020B0807020203060204" pitchFamily="34" charset="0"/>
-            </a:rPr>
-            <a:t>Move the data to higher dimension</a:t>
-          </a:r>
-          <a:endParaRPr lang="en-IN" dirty="0">
-            <a:latin typeface="BankGothic Md BT" panose="020B0807020203060204" pitchFamily="34" charset="0"/>
-          </a:endParaRPr>
-        </a:p>
-      </dgm:t>
-    </dgm:pt>
-    <dgm:pt modelId="{33454B36-4F60-463D-91E8-B7791B47DCC3}" type="parTrans" cxnId="{B503CB9B-E3AE-46C4-B42F-53F51847D4ED}">
-      <dgm:prSet/>
-      <dgm:spPr/>
-      <dgm:t>
-        <a:bodyPr/>
-        <a:lstStyle/>
-        <a:p>
-          <a:endParaRPr lang="en-IN"/>
-        </a:p>
-      </dgm:t>
-    </dgm:pt>
-    <dgm:pt modelId="{ABE215AA-26C2-417D-8658-E0C77AD1575C}" type="sibTrans" cxnId="{B503CB9B-E3AE-46C4-B42F-53F51847D4ED}">
-      <dgm:prSet/>
-      <dgm:spPr/>
-      <dgm:t>
-        <a:bodyPr/>
-        <a:lstStyle/>
-        <a:p>
-          <a:endParaRPr lang="en-IN"/>
-        </a:p>
-      </dgm:t>
-    </dgm:pt>
-    <dgm:pt modelId="{48F036A2-6EAC-4DEB-9B86-4CD01B7DFBB4}">
-      <dgm:prSet phldrT="[Text]"/>
-      <dgm:spPr/>
-      <dgm:t>
-        <a:bodyPr/>
-        <a:lstStyle/>
-        <a:p>
-          <a:r>
-            <a:rPr lang="en-US" dirty="0">
-              <a:latin typeface="BankGothic Md BT" panose="020B0807020203060204" pitchFamily="34" charset="0"/>
-            </a:rPr>
-            <a:t>Find classifier to separate the higher dimension data</a:t>
-          </a:r>
-          <a:endParaRPr lang="en-IN" dirty="0">
-            <a:latin typeface="BankGothic Md BT" panose="020B0807020203060204" pitchFamily="34" charset="0"/>
-          </a:endParaRPr>
-        </a:p>
-      </dgm:t>
-    </dgm:pt>
-    <dgm:pt modelId="{8A9F4690-7F5F-4750-AFEE-5C97008DD3DD}" type="parTrans" cxnId="{EAF5DC82-6030-44B4-8BEC-0D529A5DF6E8}">
-      <dgm:prSet/>
-      <dgm:spPr/>
-      <dgm:t>
-        <a:bodyPr/>
-        <a:lstStyle/>
-        <a:p>
-          <a:endParaRPr lang="en-IN"/>
-        </a:p>
-      </dgm:t>
-    </dgm:pt>
-    <dgm:pt modelId="{D70DA805-8024-4AA0-BEAF-17D0F7331412}" type="sibTrans" cxnId="{EAF5DC82-6030-44B4-8BEC-0D529A5DF6E8}">
-      <dgm:prSet/>
-      <dgm:spPr/>
-      <dgm:t>
-        <a:bodyPr/>
-        <a:lstStyle/>
-        <a:p>
-          <a:endParaRPr lang="en-IN"/>
-        </a:p>
-      </dgm:t>
-    </dgm:pt>
-    <dgm:pt modelId="{8F477D95-8880-4691-9A91-7AB8B2C858D4}" type="pres">
-      <dgm:prSet presAssocID="{EACD9EA3-5B14-4B78-A381-D130B6A5FA28}" presName="linearFlow" presStyleCnt="0">
-        <dgm:presLayoutVars>
-          <dgm:resizeHandles val="exact"/>
-        </dgm:presLayoutVars>
-      </dgm:prSet>
-      <dgm:spPr/>
-    </dgm:pt>
-    <dgm:pt modelId="{70461D64-7CEF-485D-86D8-427DE6E36F75}" type="pres">
-      <dgm:prSet presAssocID="{785584D2-9B45-46E0-B4BC-04722309C3B6}" presName="node" presStyleLbl="node1" presStyleIdx="0" presStyleCnt="3" custScaleX="494831">
-        <dgm:presLayoutVars>
-          <dgm:bulletEnabled val="1"/>
-        </dgm:presLayoutVars>
-      </dgm:prSet>
-      <dgm:spPr/>
-    </dgm:pt>
-    <dgm:pt modelId="{A78FC998-20E2-4F0F-9222-732945A27CDE}" type="pres">
-      <dgm:prSet presAssocID="{2877596B-0270-41B4-84A6-1318E78E239E}" presName="sibTrans" presStyleLbl="sibTrans2D1" presStyleIdx="0" presStyleCnt="2"/>
-      <dgm:spPr/>
-    </dgm:pt>
-    <dgm:pt modelId="{E75C68FA-0795-4CBD-93BC-A5208CE361AF}" type="pres">
-      <dgm:prSet presAssocID="{2877596B-0270-41B4-84A6-1318E78E239E}" presName="connectorText" presStyleLbl="sibTrans2D1" presStyleIdx="0" presStyleCnt="2"/>
-      <dgm:spPr/>
-    </dgm:pt>
-    <dgm:pt modelId="{FC851A46-687D-447E-9003-CCC65AF033C1}" type="pres">
-      <dgm:prSet presAssocID="{ACBFEB8C-6A18-4A8E-BC44-528463D759BB}" presName="node" presStyleLbl="node1" presStyleIdx="1" presStyleCnt="3" custScaleX="494831">
-        <dgm:presLayoutVars>
-          <dgm:bulletEnabled val="1"/>
-        </dgm:presLayoutVars>
-      </dgm:prSet>
-      <dgm:spPr/>
-    </dgm:pt>
-    <dgm:pt modelId="{E11D44C3-D350-42E9-9854-E45BC45B32BF}" type="pres">
-      <dgm:prSet presAssocID="{ABE215AA-26C2-417D-8658-E0C77AD1575C}" presName="sibTrans" presStyleLbl="sibTrans2D1" presStyleIdx="1" presStyleCnt="2"/>
-      <dgm:spPr/>
-    </dgm:pt>
-    <dgm:pt modelId="{CF0EB42C-D30F-44B5-865E-DE97DE98C825}" type="pres">
-      <dgm:prSet presAssocID="{ABE215AA-26C2-417D-8658-E0C77AD1575C}" presName="connectorText" presStyleLbl="sibTrans2D1" presStyleIdx="1" presStyleCnt="2"/>
-      <dgm:spPr/>
-    </dgm:pt>
-    <dgm:pt modelId="{801B3760-4D08-49FE-88F2-E472A3628721}" type="pres">
-      <dgm:prSet presAssocID="{48F036A2-6EAC-4DEB-9B86-4CD01B7DFBB4}" presName="node" presStyleLbl="node1" presStyleIdx="2" presStyleCnt="3" custScaleX="494831">
-        <dgm:presLayoutVars>
-          <dgm:bulletEnabled val="1"/>
-        </dgm:presLayoutVars>
-      </dgm:prSet>
-      <dgm:spPr/>
-    </dgm:pt>
-  </dgm:ptLst>
-  <dgm:cxnLst>
-    <dgm:cxn modelId="{4267531F-6A38-4077-9876-9DE49F87EE3D}" type="presOf" srcId="{2877596B-0270-41B4-84A6-1318E78E239E}" destId="{E75C68FA-0795-4CBD-93BC-A5208CE361AF}" srcOrd="1" destOrd="0" presId="urn:microsoft.com/office/officeart/2005/8/layout/process2"/>
-    <dgm:cxn modelId="{E8B74022-9872-48F6-9188-C8EBD2340C6D}" type="presOf" srcId="{2877596B-0270-41B4-84A6-1318E78E239E}" destId="{A78FC998-20E2-4F0F-9222-732945A27CDE}" srcOrd="0" destOrd="0" presId="urn:microsoft.com/office/officeart/2005/8/layout/process2"/>
-    <dgm:cxn modelId="{DBDC0929-437D-4E57-B209-AE7860B151D6}" type="presOf" srcId="{785584D2-9B45-46E0-B4BC-04722309C3B6}" destId="{70461D64-7CEF-485D-86D8-427DE6E36F75}" srcOrd="0" destOrd="0" presId="urn:microsoft.com/office/officeart/2005/8/layout/process2"/>
-    <dgm:cxn modelId="{83B85A54-1E15-49CE-ACFE-5E440E6A8258}" type="presOf" srcId="{ACBFEB8C-6A18-4A8E-BC44-528463D759BB}" destId="{FC851A46-687D-447E-9003-CCC65AF033C1}" srcOrd="0" destOrd="0" presId="urn:microsoft.com/office/officeart/2005/8/layout/process2"/>
-    <dgm:cxn modelId="{F49D2F7F-712C-4011-8839-350F68EB1432}" srcId="{EACD9EA3-5B14-4B78-A381-D130B6A5FA28}" destId="{785584D2-9B45-46E0-B4BC-04722309C3B6}" srcOrd="0" destOrd="0" parTransId="{14749216-8F12-46F9-AD3C-10383906E841}" sibTransId="{2877596B-0270-41B4-84A6-1318E78E239E}"/>
-    <dgm:cxn modelId="{EAF5DC82-6030-44B4-8BEC-0D529A5DF6E8}" srcId="{EACD9EA3-5B14-4B78-A381-D130B6A5FA28}" destId="{48F036A2-6EAC-4DEB-9B86-4CD01B7DFBB4}" srcOrd="2" destOrd="0" parTransId="{8A9F4690-7F5F-4750-AFEE-5C97008DD3DD}" sibTransId="{D70DA805-8024-4AA0-BEAF-17D0F7331412}"/>
-    <dgm:cxn modelId="{EE133591-376F-4E6A-8FCC-D0BF273983A7}" type="presOf" srcId="{ABE215AA-26C2-417D-8658-E0C77AD1575C}" destId="{CF0EB42C-D30F-44B5-865E-DE97DE98C825}" srcOrd="1" destOrd="0" presId="urn:microsoft.com/office/officeart/2005/8/layout/process2"/>
-    <dgm:cxn modelId="{B503CB9B-E3AE-46C4-B42F-53F51847D4ED}" srcId="{EACD9EA3-5B14-4B78-A381-D130B6A5FA28}" destId="{ACBFEB8C-6A18-4A8E-BC44-528463D759BB}" srcOrd="1" destOrd="0" parTransId="{33454B36-4F60-463D-91E8-B7791B47DCC3}" sibTransId="{ABE215AA-26C2-417D-8658-E0C77AD1575C}"/>
-    <dgm:cxn modelId="{0D5BD4D8-99AC-4A88-BB3A-25ADB5B131D2}" type="presOf" srcId="{48F036A2-6EAC-4DEB-9B86-4CD01B7DFBB4}" destId="{801B3760-4D08-49FE-88F2-E472A3628721}" srcOrd="0" destOrd="0" presId="urn:microsoft.com/office/officeart/2005/8/layout/process2"/>
-    <dgm:cxn modelId="{A4B0D8F7-E138-4DD6-8304-010C3A81D56B}" type="presOf" srcId="{EACD9EA3-5B14-4B78-A381-D130B6A5FA28}" destId="{8F477D95-8880-4691-9A91-7AB8B2C858D4}" srcOrd="0" destOrd="0" presId="urn:microsoft.com/office/officeart/2005/8/layout/process2"/>
-    <dgm:cxn modelId="{0C4BE6F9-C5FD-4E58-B39D-E012FF5BA84C}" type="presOf" srcId="{ABE215AA-26C2-417D-8658-E0C77AD1575C}" destId="{E11D44C3-D350-42E9-9854-E45BC45B32BF}" srcOrd="0" destOrd="0" presId="urn:microsoft.com/office/officeart/2005/8/layout/process2"/>
-    <dgm:cxn modelId="{E490D2BD-1942-4627-A88C-8AA675AD86A9}" type="presParOf" srcId="{8F477D95-8880-4691-9A91-7AB8B2C858D4}" destId="{70461D64-7CEF-485D-86D8-427DE6E36F75}" srcOrd="0" destOrd="0" presId="urn:microsoft.com/office/officeart/2005/8/layout/process2"/>
-    <dgm:cxn modelId="{5F9C7CD3-0474-4C93-8F12-93FE14FA0FD6}" type="presParOf" srcId="{8F477D95-8880-4691-9A91-7AB8B2C858D4}" destId="{A78FC998-20E2-4F0F-9222-732945A27CDE}" srcOrd="1" destOrd="0" presId="urn:microsoft.com/office/officeart/2005/8/layout/process2"/>
-    <dgm:cxn modelId="{03DA7AAE-B261-4D05-BCBF-4EE54DE1E60E}" type="presParOf" srcId="{A78FC998-20E2-4F0F-9222-732945A27CDE}" destId="{E75C68FA-0795-4CBD-93BC-A5208CE361AF}" srcOrd="0" destOrd="0" presId="urn:microsoft.com/office/officeart/2005/8/layout/process2"/>
-    <dgm:cxn modelId="{B88B563C-B33C-4F81-A729-CBFF5BA35F6C}" type="presParOf" srcId="{8F477D95-8880-4691-9A91-7AB8B2C858D4}" destId="{FC851A46-687D-447E-9003-CCC65AF033C1}" srcOrd="2" destOrd="0" presId="urn:microsoft.com/office/officeart/2005/8/layout/process2"/>
-    <dgm:cxn modelId="{3EB5490C-6CA3-4D5E-BC77-956A01AA7BC7}" type="presParOf" srcId="{8F477D95-8880-4691-9A91-7AB8B2C858D4}" destId="{E11D44C3-D350-42E9-9854-E45BC45B32BF}" srcOrd="3" destOrd="0" presId="urn:microsoft.com/office/officeart/2005/8/layout/process2"/>
-    <dgm:cxn modelId="{0EF9D69E-D491-4478-AA31-2C231DB19144}" type="presParOf" srcId="{E11D44C3-D350-42E9-9854-E45BC45B32BF}" destId="{CF0EB42C-D30F-44B5-865E-DE97DE98C825}" srcOrd="0" destOrd="0" presId="urn:microsoft.com/office/officeart/2005/8/layout/process2"/>
-    <dgm:cxn modelId="{6B970C77-2B48-46A3-A519-CBA122A26B94}" type="presParOf" srcId="{8F477D95-8880-4691-9A91-7AB8B2C858D4}" destId="{801B3760-4D08-49FE-88F2-E472A3628721}" srcOrd="4" destOrd="0" presId="urn:microsoft.com/office/officeart/2005/8/layout/process2"/>
-  </dgm:cxnLst>
-  <dgm:bg/>
-  <dgm:whole/>
-  <dgm:extLst>
-    <a:ext uri="http://schemas.microsoft.com/office/drawing/2008/diagram">
-      <dsp:dataModelExt xmlns:dsp="http://schemas.microsoft.com/office/drawing/2008/diagram" relId="rId6" minVer="http://schemas.openxmlformats.org/drawingml/2006/diagram"/>
     </a:ext>
   </dgm:extLst>
 </dgm:dataModel>
@@ -3862,513 +2899,6 @@
       <dsp:txXfrm>
         <a:off x="3711959" y="2333097"/>
         <a:ext cx="1544091" cy="494109"/>
-      </dsp:txXfrm>
-    </dsp:sp>
-  </dsp:spTree>
-</dsp:drawing>
-</file>
-
-<file path=ppt/diagrams/drawing2.xml><?xml version="1.0" encoding="utf-8"?>
-<dsp:drawing xmlns:dgm="http://schemas.openxmlformats.org/drawingml/2006/diagram" xmlns:dsp="http://schemas.microsoft.com/office/drawing/2008/diagram" xmlns:a="http://schemas.openxmlformats.org/drawingml/2006/main">
-  <dsp:spTree>
-    <dsp:nvGrpSpPr>
-      <dsp:cNvPr id="0" name=""/>
-      <dsp:cNvGrpSpPr/>
-    </dsp:nvGrpSpPr>
-    <dsp:grpSpPr/>
-    <dsp:sp modelId="{70461D64-7CEF-485D-86D8-427DE6E36F75}">
-      <dsp:nvSpPr>
-        <dsp:cNvPr id="0" name=""/>
-        <dsp:cNvSpPr/>
-      </dsp:nvSpPr>
-      <dsp:spPr>
-        <a:xfrm>
-          <a:off x="156453" y="0"/>
-          <a:ext cx="6717068" cy="754137"/>
-        </a:xfrm>
-        <a:prstGeom prst="roundRect">
-          <a:avLst>
-            <a:gd name="adj" fmla="val 10000"/>
-          </a:avLst>
-        </a:prstGeom>
-        <a:gradFill rotWithShape="0">
-          <a:gsLst>
-            <a:gs pos="0">
-              <a:schemeClr val="accent1">
-                <a:hueOff val="0"/>
-                <a:satOff val="0"/>
-                <a:lumOff val="0"/>
-                <a:alphaOff val="0"/>
-                <a:tint val="100000"/>
-                <a:shade val="100000"/>
-                <a:satMod val="130000"/>
-              </a:schemeClr>
-            </a:gs>
-            <a:gs pos="100000">
-              <a:schemeClr val="accent1">
-                <a:hueOff val="0"/>
-                <a:satOff val="0"/>
-                <a:lumOff val="0"/>
-                <a:alphaOff val="0"/>
-                <a:tint val="50000"/>
-                <a:shade val="100000"/>
-                <a:satMod val="350000"/>
-              </a:schemeClr>
-            </a:gs>
-          </a:gsLst>
-          <a:lin ang="16200000" scaled="0"/>
-        </a:gradFill>
-        <a:ln>
-          <a:noFill/>
-        </a:ln>
-        <a:effectLst>
-          <a:outerShdw blurRad="40000" dist="23000" dir="5400000" rotWithShape="0">
-            <a:srgbClr val="000000">
-              <a:alpha val="35000"/>
-            </a:srgbClr>
-          </a:outerShdw>
-        </a:effectLst>
-      </dsp:spPr>
-      <dsp:style>
-        <a:lnRef idx="0">
-          <a:scrgbClr r="0" g="0" b="0"/>
-        </a:lnRef>
-        <a:fillRef idx="3">
-          <a:scrgbClr r="0" g="0" b="0"/>
-        </a:fillRef>
-        <a:effectRef idx="2">
-          <a:scrgbClr r="0" g="0" b="0"/>
-        </a:effectRef>
-        <a:fontRef idx="minor">
-          <a:schemeClr val="lt1"/>
-        </a:fontRef>
-      </dsp:style>
-      <dsp:txBody>
-        <a:bodyPr spcFirstLastPara="0" vert="horz" wrap="square" lIns="68580" tIns="68580" rIns="68580" bIns="68580" numCol="1" spcCol="1270" anchor="ctr" anchorCtr="0">
-          <a:noAutofit/>
-        </a:bodyPr>
-        <a:lstStyle/>
-        <a:p>
-          <a:pPr marL="0" lvl="0" indent="0" algn="ctr" defTabSz="800100">
-            <a:lnSpc>
-              <a:spcPct val="90000"/>
-            </a:lnSpc>
-            <a:spcBef>
-              <a:spcPct val="0"/>
-            </a:spcBef>
-            <a:spcAft>
-              <a:spcPct val="35000"/>
-            </a:spcAft>
-            <a:buNone/>
-          </a:pPr>
-          <a:r>
-            <a:rPr lang="en-US" sz="1800" kern="1200" dirty="0">
-              <a:latin typeface="BankGothic Md BT" panose="020B0807020203060204" pitchFamily="34" charset="0"/>
-            </a:rPr>
-            <a:t>Start with data in lower dimension</a:t>
-          </a:r>
-          <a:endParaRPr lang="en-IN" sz="1800" kern="1200" dirty="0">
-            <a:latin typeface="BankGothic Md BT" panose="020B0807020203060204" pitchFamily="34" charset="0"/>
-          </a:endParaRPr>
-        </a:p>
-      </dsp:txBody>
-      <dsp:txXfrm>
-        <a:off x="178541" y="22088"/>
-        <a:ext cx="6672892" cy="709961"/>
-      </dsp:txXfrm>
-    </dsp:sp>
-    <dsp:sp modelId="{A78FC998-20E2-4F0F-9222-732945A27CDE}">
-      <dsp:nvSpPr>
-        <dsp:cNvPr id="0" name=""/>
-        <dsp:cNvSpPr/>
-      </dsp:nvSpPr>
-      <dsp:spPr>
-        <a:xfrm rot="5400000">
-          <a:off x="3373586" y="772990"/>
-          <a:ext cx="282801" cy="339361"/>
-        </a:xfrm>
-        <a:prstGeom prst="rightArrow">
-          <a:avLst>
-            <a:gd name="adj1" fmla="val 60000"/>
-            <a:gd name="adj2" fmla="val 50000"/>
-          </a:avLst>
-        </a:prstGeom>
-        <a:gradFill rotWithShape="0">
-          <a:gsLst>
-            <a:gs pos="0">
-              <a:schemeClr val="accent1">
-                <a:tint val="60000"/>
-                <a:hueOff val="0"/>
-                <a:satOff val="0"/>
-                <a:lumOff val="0"/>
-                <a:alphaOff val="0"/>
-                <a:tint val="100000"/>
-                <a:shade val="100000"/>
-                <a:satMod val="130000"/>
-              </a:schemeClr>
-            </a:gs>
-            <a:gs pos="100000">
-              <a:schemeClr val="accent1">
-                <a:tint val="60000"/>
-                <a:hueOff val="0"/>
-                <a:satOff val="0"/>
-                <a:lumOff val="0"/>
-                <a:alphaOff val="0"/>
-                <a:tint val="50000"/>
-                <a:shade val="100000"/>
-                <a:satMod val="350000"/>
-              </a:schemeClr>
-            </a:gs>
-          </a:gsLst>
-          <a:lin ang="16200000" scaled="0"/>
-        </a:gradFill>
-        <a:ln>
-          <a:noFill/>
-        </a:ln>
-        <a:effectLst>
-          <a:outerShdw blurRad="40000" dist="23000" dir="5400000" rotWithShape="0">
-            <a:srgbClr val="000000">
-              <a:alpha val="35000"/>
-            </a:srgbClr>
-          </a:outerShdw>
-        </a:effectLst>
-      </dsp:spPr>
-      <dsp:style>
-        <a:lnRef idx="0">
-          <a:scrgbClr r="0" g="0" b="0"/>
-        </a:lnRef>
-        <a:fillRef idx="3">
-          <a:scrgbClr r="0" g="0" b="0"/>
-        </a:fillRef>
-        <a:effectRef idx="2">
-          <a:scrgbClr r="0" g="0" b="0"/>
-        </a:effectRef>
-        <a:fontRef idx="minor">
-          <a:schemeClr val="lt1"/>
-        </a:fontRef>
-      </dsp:style>
-      <dsp:txBody>
-        <a:bodyPr spcFirstLastPara="0" vert="horz" wrap="square" lIns="0" tIns="0" rIns="0" bIns="0" numCol="1" spcCol="1270" anchor="ctr" anchorCtr="0">
-          <a:noAutofit/>
-        </a:bodyPr>
-        <a:lstStyle/>
-        <a:p>
-          <a:pPr marL="0" lvl="0" indent="0" algn="ctr" defTabSz="666750">
-            <a:lnSpc>
-              <a:spcPct val="90000"/>
-            </a:lnSpc>
-            <a:spcBef>
-              <a:spcPct val="0"/>
-            </a:spcBef>
-            <a:spcAft>
-              <a:spcPct val="35000"/>
-            </a:spcAft>
-            <a:buNone/>
-          </a:pPr>
-          <a:endParaRPr lang="en-IN" sz="1500" kern="1200"/>
-        </a:p>
-      </dsp:txBody>
-      <dsp:txXfrm rot="-5400000">
-        <a:off x="3413178" y="801270"/>
-        <a:ext cx="203617" cy="197961"/>
-      </dsp:txXfrm>
-    </dsp:sp>
-    <dsp:sp modelId="{FC851A46-687D-447E-9003-CCC65AF033C1}">
-      <dsp:nvSpPr>
-        <dsp:cNvPr id="0" name=""/>
-        <dsp:cNvSpPr/>
-      </dsp:nvSpPr>
-      <dsp:spPr>
-        <a:xfrm>
-          <a:off x="156453" y="1131205"/>
-          <a:ext cx="6717068" cy="754137"/>
-        </a:xfrm>
-        <a:prstGeom prst="roundRect">
-          <a:avLst>
-            <a:gd name="adj" fmla="val 10000"/>
-          </a:avLst>
-        </a:prstGeom>
-        <a:gradFill rotWithShape="0">
-          <a:gsLst>
-            <a:gs pos="0">
-              <a:schemeClr val="accent1">
-                <a:hueOff val="0"/>
-                <a:satOff val="0"/>
-                <a:lumOff val="0"/>
-                <a:alphaOff val="0"/>
-                <a:tint val="100000"/>
-                <a:shade val="100000"/>
-                <a:satMod val="130000"/>
-              </a:schemeClr>
-            </a:gs>
-            <a:gs pos="100000">
-              <a:schemeClr val="accent1">
-                <a:hueOff val="0"/>
-                <a:satOff val="0"/>
-                <a:lumOff val="0"/>
-                <a:alphaOff val="0"/>
-                <a:tint val="50000"/>
-                <a:shade val="100000"/>
-                <a:satMod val="350000"/>
-              </a:schemeClr>
-            </a:gs>
-          </a:gsLst>
-          <a:lin ang="16200000" scaled="0"/>
-        </a:gradFill>
-        <a:ln>
-          <a:noFill/>
-        </a:ln>
-        <a:effectLst>
-          <a:outerShdw blurRad="40000" dist="23000" dir="5400000" rotWithShape="0">
-            <a:srgbClr val="000000">
-              <a:alpha val="35000"/>
-            </a:srgbClr>
-          </a:outerShdw>
-        </a:effectLst>
-      </dsp:spPr>
-      <dsp:style>
-        <a:lnRef idx="0">
-          <a:scrgbClr r="0" g="0" b="0"/>
-        </a:lnRef>
-        <a:fillRef idx="3">
-          <a:scrgbClr r="0" g="0" b="0"/>
-        </a:fillRef>
-        <a:effectRef idx="2">
-          <a:scrgbClr r="0" g="0" b="0"/>
-        </a:effectRef>
-        <a:fontRef idx="minor">
-          <a:schemeClr val="lt1"/>
-        </a:fontRef>
-      </dsp:style>
-      <dsp:txBody>
-        <a:bodyPr spcFirstLastPara="0" vert="horz" wrap="square" lIns="68580" tIns="68580" rIns="68580" bIns="68580" numCol="1" spcCol="1270" anchor="ctr" anchorCtr="0">
-          <a:noAutofit/>
-        </a:bodyPr>
-        <a:lstStyle/>
-        <a:p>
-          <a:pPr marL="0" lvl="0" indent="0" algn="ctr" defTabSz="800100">
-            <a:lnSpc>
-              <a:spcPct val="90000"/>
-            </a:lnSpc>
-            <a:spcBef>
-              <a:spcPct val="0"/>
-            </a:spcBef>
-            <a:spcAft>
-              <a:spcPct val="35000"/>
-            </a:spcAft>
-            <a:buNone/>
-          </a:pPr>
-          <a:r>
-            <a:rPr lang="en-US" sz="1800" kern="1200" dirty="0">
-              <a:latin typeface="BankGothic Md BT" panose="020B0807020203060204" pitchFamily="34" charset="0"/>
-            </a:rPr>
-            <a:t>Move the data to higher dimension</a:t>
-          </a:r>
-          <a:endParaRPr lang="en-IN" sz="1800" kern="1200" dirty="0">
-            <a:latin typeface="BankGothic Md BT" panose="020B0807020203060204" pitchFamily="34" charset="0"/>
-          </a:endParaRPr>
-        </a:p>
-      </dsp:txBody>
-      <dsp:txXfrm>
-        <a:off x="178541" y="1153293"/>
-        <a:ext cx="6672892" cy="709961"/>
-      </dsp:txXfrm>
-    </dsp:sp>
-    <dsp:sp modelId="{E11D44C3-D350-42E9-9854-E45BC45B32BF}">
-      <dsp:nvSpPr>
-        <dsp:cNvPr id="0" name=""/>
-        <dsp:cNvSpPr/>
-      </dsp:nvSpPr>
-      <dsp:spPr>
-        <a:xfrm rot="5400000">
-          <a:off x="3373586" y="1904196"/>
-          <a:ext cx="282801" cy="339361"/>
-        </a:xfrm>
-        <a:prstGeom prst="rightArrow">
-          <a:avLst>
-            <a:gd name="adj1" fmla="val 60000"/>
-            <a:gd name="adj2" fmla="val 50000"/>
-          </a:avLst>
-        </a:prstGeom>
-        <a:gradFill rotWithShape="0">
-          <a:gsLst>
-            <a:gs pos="0">
-              <a:schemeClr val="accent1">
-                <a:tint val="60000"/>
-                <a:hueOff val="0"/>
-                <a:satOff val="0"/>
-                <a:lumOff val="0"/>
-                <a:alphaOff val="0"/>
-                <a:tint val="100000"/>
-                <a:shade val="100000"/>
-                <a:satMod val="130000"/>
-              </a:schemeClr>
-            </a:gs>
-            <a:gs pos="100000">
-              <a:schemeClr val="accent1">
-                <a:tint val="60000"/>
-                <a:hueOff val="0"/>
-                <a:satOff val="0"/>
-                <a:lumOff val="0"/>
-                <a:alphaOff val="0"/>
-                <a:tint val="50000"/>
-                <a:shade val="100000"/>
-                <a:satMod val="350000"/>
-              </a:schemeClr>
-            </a:gs>
-          </a:gsLst>
-          <a:lin ang="16200000" scaled="0"/>
-        </a:gradFill>
-        <a:ln>
-          <a:noFill/>
-        </a:ln>
-        <a:effectLst>
-          <a:outerShdw blurRad="40000" dist="23000" dir="5400000" rotWithShape="0">
-            <a:srgbClr val="000000">
-              <a:alpha val="35000"/>
-            </a:srgbClr>
-          </a:outerShdw>
-        </a:effectLst>
-      </dsp:spPr>
-      <dsp:style>
-        <a:lnRef idx="0">
-          <a:scrgbClr r="0" g="0" b="0"/>
-        </a:lnRef>
-        <a:fillRef idx="3">
-          <a:scrgbClr r="0" g="0" b="0"/>
-        </a:fillRef>
-        <a:effectRef idx="2">
-          <a:scrgbClr r="0" g="0" b="0"/>
-        </a:effectRef>
-        <a:fontRef idx="minor">
-          <a:schemeClr val="lt1"/>
-        </a:fontRef>
-      </dsp:style>
-      <dsp:txBody>
-        <a:bodyPr spcFirstLastPara="0" vert="horz" wrap="square" lIns="0" tIns="0" rIns="0" bIns="0" numCol="1" spcCol="1270" anchor="ctr" anchorCtr="0">
-          <a:noAutofit/>
-        </a:bodyPr>
-        <a:lstStyle/>
-        <a:p>
-          <a:pPr marL="0" lvl="0" indent="0" algn="ctr" defTabSz="666750">
-            <a:lnSpc>
-              <a:spcPct val="90000"/>
-            </a:lnSpc>
-            <a:spcBef>
-              <a:spcPct val="0"/>
-            </a:spcBef>
-            <a:spcAft>
-              <a:spcPct val="35000"/>
-            </a:spcAft>
-            <a:buNone/>
-          </a:pPr>
-          <a:endParaRPr lang="en-IN" sz="1500" kern="1200"/>
-        </a:p>
-      </dsp:txBody>
-      <dsp:txXfrm rot="-5400000">
-        <a:off x="3413178" y="1932476"/>
-        <a:ext cx="203617" cy="197961"/>
-      </dsp:txXfrm>
-    </dsp:sp>
-    <dsp:sp modelId="{801B3760-4D08-49FE-88F2-E472A3628721}">
-      <dsp:nvSpPr>
-        <dsp:cNvPr id="0" name=""/>
-        <dsp:cNvSpPr/>
-      </dsp:nvSpPr>
-      <dsp:spPr>
-        <a:xfrm>
-          <a:off x="156453" y="2262411"/>
-          <a:ext cx="6717068" cy="754137"/>
-        </a:xfrm>
-        <a:prstGeom prst="roundRect">
-          <a:avLst>
-            <a:gd name="adj" fmla="val 10000"/>
-          </a:avLst>
-        </a:prstGeom>
-        <a:gradFill rotWithShape="0">
-          <a:gsLst>
-            <a:gs pos="0">
-              <a:schemeClr val="accent1">
-                <a:hueOff val="0"/>
-                <a:satOff val="0"/>
-                <a:lumOff val="0"/>
-                <a:alphaOff val="0"/>
-                <a:tint val="100000"/>
-                <a:shade val="100000"/>
-                <a:satMod val="130000"/>
-              </a:schemeClr>
-            </a:gs>
-            <a:gs pos="100000">
-              <a:schemeClr val="accent1">
-                <a:hueOff val="0"/>
-                <a:satOff val="0"/>
-                <a:lumOff val="0"/>
-                <a:alphaOff val="0"/>
-                <a:tint val="50000"/>
-                <a:shade val="100000"/>
-                <a:satMod val="350000"/>
-              </a:schemeClr>
-            </a:gs>
-          </a:gsLst>
-          <a:lin ang="16200000" scaled="0"/>
-        </a:gradFill>
-        <a:ln>
-          <a:noFill/>
-        </a:ln>
-        <a:effectLst>
-          <a:outerShdw blurRad="40000" dist="23000" dir="5400000" rotWithShape="0">
-            <a:srgbClr val="000000">
-              <a:alpha val="35000"/>
-            </a:srgbClr>
-          </a:outerShdw>
-        </a:effectLst>
-      </dsp:spPr>
-      <dsp:style>
-        <a:lnRef idx="0">
-          <a:scrgbClr r="0" g="0" b="0"/>
-        </a:lnRef>
-        <a:fillRef idx="3">
-          <a:scrgbClr r="0" g="0" b="0"/>
-        </a:fillRef>
-        <a:effectRef idx="2">
-          <a:scrgbClr r="0" g="0" b="0"/>
-        </a:effectRef>
-        <a:fontRef idx="minor">
-          <a:schemeClr val="lt1"/>
-        </a:fontRef>
-      </dsp:style>
-      <dsp:txBody>
-        <a:bodyPr spcFirstLastPara="0" vert="horz" wrap="square" lIns="68580" tIns="68580" rIns="68580" bIns="68580" numCol="1" spcCol="1270" anchor="ctr" anchorCtr="0">
-          <a:noAutofit/>
-        </a:bodyPr>
-        <a:lstStyle/>
-        <a:p>
-          <a:pPr marL="0" lvl="0" indent="0" algn="ctr" defTabSz="800100">
-            <a:lnSpc>
-              <a:spcPct val="90000"/>
-            </a:lnSpc>
-            <a:spcBef>
-              <a:spcPct val="0"/>
-            </a:spcBef>
-            <a:spcAft>
-              <a:spcPct val="35000"/>
-            </a:spcAft>
-            <a:buNone/>
-          </a:pPr>
-          <a:r>
-            <a:rPr lang="en-US" sz="1800" kern="1200" dirty="0">
-              <a:latin typeface="BankGothic Md BT" panose="020B0807020203060204" pitchFamily="34" charset="0"/>
-            </a:rPr>
-            <a:t>Find classifier to separate the higher dimension data</a:t>
-          </a:r>
-          <a:endParaRPr lang="en-IN" sz="1800" kern="1200" dirty="0">
-            <a:latin typeface="BankGothic Md BT" panose="020B0807020203060204" pitchFamily="34" charset="0"/>
-          </a:endParaRPr>
-        </a:p>
-      </dsp:txBody>
-      <dsp:txXfrm>
-        <a:off x="178541" y="2284499"/>
-        <a:ext cx="6672892" cy="709961"/>
       </dsp:txXfrm>
     </dsp:sp>
   </dsp:spTree>
@@ -5670,155 +4200,6 @@
 </dgm:layoutDef>
 </file>
 
-<file path=ppt/diagrams/layout2.xml><?xml version="1.0" encoding="utf-8"?>
-<dgm:layoutDef xmlns:dgm="http://schemas.openxmlformats.org/drawingml/2006/diagram" xmlns:a="http://schemas.openxmlformats.org/drawingml/2006/main" uniqueId="urn:microsoft.com/office/officeart/2005/8/layout/process2">
-  <dgm:title val=""/>
-  <dgm:desc val=""/>
-  <dgm:catLst>
-    <dgm:cat type="process" pri="13000"/>
-  </dgm:catLst>
-  <dgm:sampData useDef="1">
-    <dgm:dataModel>
-      <dgm:ptLst/>
-      <dgm:bg/>
-      <dgm:whole/>
-    </dgm:dataModel>
-  </dgm:sampData>
-  <dgm:styleData>
-    <dgm:dataModel>
-      <dgm:ptLst>
-        <dgm:pt modelId="0" type="doc"/>
-        <dgm:pt modelId="1"/>
-        <dgm:pt modelId="2"/>
-      </dgm:ptLst>
-      <dgm:cxnLst>
-        <dgm:cxn modelId="3" srcId="0" destId="1" srcOrd="0" destOrd="0"/>
-        <dgm:cxn modelId="4" srcId="0" destId="2" srcOrd="1" destOrd="0"/>
-      </dgm:cxnLst>
-      <dgm:bg/>
-      <dgm:whole/>
-    </dgm:dataModel>
-  </dgm:styleData>
-  <dgm:clrData>
-    <dgm:dataModel>
-      <dgm:ptLst>
-        <dgm:pt modelId="0" type="doc"/>
-        <dgm:pt modelId="1"/>
-        <dgm:pt modelId="2"/>
-        <dgm:pt modelId="3"/>
-        <dgm:pt modelId="4"/>
-      </dgm:ptLst>
-      <dgm:cxnLst>
-        <dgm:cxn modelId="5" srcId="0" destId="1" srcOrd="0" destOrd="0"/>
-        <dgm:cxn modelId="6" srcId="0" destId="2" srcOrd="1" destOrd="0"/>
-        <dgm:cxn modelId="7" srcId="0" destId="3" srcOrd="2" destOrd="0"/>
-        <dgm:cxn modelId="8" srcId="0" destId="4" srcOrd="3" destOrd="0"/>
-      </dgm:cxnLst>
-      <dgm:bg/>
-      <dgm:whole/>
-    </dgm:dataModel>
-  </dgm:clrData>
-  <dgm:layoutNode name="linearFlow">
-    <dgm:varLst>
-      <dgm:resizeHandles val="exact"/>
-    </dgm:varLst>
-    <dgm:alg type="lin">
-      <dgm:param type="linDir" val="fromT"/>
-    </dgm:alg>
-    <dgm:shape xmlns:r="http://schemas.openxmlformats.org/officeDocument/2006/relationships" r:blip="">
-      <dgm:adjLst/>
-    </dgm:shape>
-    <dgm:presOf/>
-    <dgm:constrLst>
-      <dgm:constr type="h" for="ch" ptType="node" refType="h"/>
-      <dgm:constr type="h" for="ch" ptType="sibTrans" refType="h" refFor="ch" refPtType="node" fact="0.5"/>
-      <dgm:constr type="w" for="ch" ptType="node" op="equ"/>
-      <dgm:constr type="primFontSz" for="ch" ptType="node" op="equ" val="65"/>
-      <dgm:constr type="primFontSz" for="des" forName="connectorText" op="equ" val="55"/>
-      <dgm:constr type="primFontSz" for="des" forName="connectorText" refType="primFontSz" refFor="ch" refPtType="node" op="lte" fact="0.8"/>
-    </dgm:constrLst>
-    <dgm:ruleLst/>
-    <dgm:forEach name="nodesForEach" axis="ch" ptType="node">
-      <dgm:layoutNode name="node">
-        <dgm:varLst>
-          <dgm:bulletEnabled val="1"/>
-        </dgm:varLst>
-        <dgm:choose name="Name0">
-          <dgm:if name="Name1" axis="root des" ptType="all node" func="maxDepth" op="gt" val="1">
-            <dgm:alg type="tx">
-              <dgm:param type="parTxLTRAlign" val="l"/>
-              <dgm:param type="parTxRTLAlign" val="r"/>
-              <dgm:param type="txAnchorVertCh" val="mid"/>
-            </dgm:alg>
-          </dgm:if>
-          <dgm:else name="Name2">
-            <dgm:alg type="tx"/>
-          </dgm:else>
-        </dgm:choose>
-        <dgm:shape xmlns:r="http://schemas.openxmlformats.org/officeDocument/2006/relationships" type="roundRect" r:blip="">
-          <dgm:adjLst>
-            <dgm:adj idx="1" val="0.1"/>
-          </dgm:adjLst>
-        </dgm:shape>
-        <dgm:presOf axis="desOrSelf" ptType="node"/>
-        <dgm:constrLst>
-          <dgm:constr type="w" refType="h" fact="1.8"/>
-          <dgm:constr type="tMarg" refType="primFontSz" fact="0.3"/>
-          <dgm:constr type="bMarg" refType="primFontSz" fact="0.3"/>
-          <dgm:constr type="lMarg" refType="primFontSz" fact="0.3"/>
-          <dgm:constr type="rMarg" refType="primFontSz" fact="0.3"/>
-        </dgm:constrLst>
-        <dgm:ruleLst>
-          <dgm:rule type="primFontSz" val="18" fact="NaN" max="NaN"/>
-          <dgm:rule type="w" val="NaN" fact="4" max="NaN"/>
-          <dgm:rule type="primFontSz" val="5" fact="NaN" max="NaN"/>
-        </dgm:ruleLst>
-      </dgm:layoutNode>
-      <dgm:forEach name="sibTransForEach" axis="followSib" ptType="sibTrans" cnt="1">
-        <dgm:layoutNode name="sibTrans">
-          <dgm:alg type="conn">
-            <dgm:param type="begPts" val="auto"/>
-            <dgm:param type="endPts" val="auto"/>
-          </dgm:alg>
-          <dgm:shape xmlns:r="http://schemas.openxmlformats.org/officeDocument/2006/relationships" type="conn" r:blip="">
-            <dgm:adjLst/>
-          </dgm:shape>
-          <dgm:presOf axis="self"/>
-          <dgm:constrLst>
-            <dgm:constr type="w" refType="h" fact="0.9"/>
-            <dgm:constr type="connDist"/>
-            <dgm:constr type="wArH" refType="w" fact="0.5"/>
-            <dgm:constr type="hArH" refType="w"/>
-            <dgm:constr type="stemThick" refType="w" fact="0.6"/>
-            <dgm:constr type="begPad" refType="connDist" fact="0.125"/>
-            <dgm:constr type="endPad" refType="connDist" fact="0.125"/>
-          </dgm:constrLst>
-          <dgm:ruleLst/>
-          <dgm:layoutNode name="connectorText">
-            <dgm:alg type="tx">
-              <dgm:param type="autoTxRot" val="upr"/>
-            </dgm:alg>
-            <dgm:shape xmlns:r="http://schemas.openxmlformats.org/officeDocument/2006/relationships" type="conn" r:blip="" hideGeom="1">
-              <dgm:adjLst/>
-            </dgm:shape>
-            <dgm:presOf axis="self"/>
-            <dgm:constrLst>
-              <dgm:constr type="lMarg"/>
-              <dgm:constr type="rMarg"/>
-              <dgm:constr type="tMarg"/>
-              <dgm:constr type="bMarg"/>
-            </dgm:constrLst>
-            <dgm:ruleLst>
-              <dgm:rule type="primFontSz" val="5" fact="NaN" max="NaN"/>
-            </dgm:ruleLst>
-          </dgm:layoutNode>
-        </dgm:layoutNode>
-      </dgm:forEach>
-    </dgm:forEach>
-  </dgm:layoutNode>
-</dgm:layoutDef>
-</file>
-
 <file path=ppt/diagrams/quickStyle1.xml><?xml version="1.0" encoding="utf-8"?>
 <dgm:styleDef xmlns:dgm="http://schemas.openxmlformats.org/drawingml/2006/diagram" xmlns:a="http://schemas.openxmlformats.org/drawingml/2006/main" uniqueId="urn:microsoft.com/office/officeart/2005/8/quickstyle/simple1">
   <dgm:title val=""/>
@@ -6853,1040 +5234,6 @@
 </dgm:styleDef>
 </file>
 
-<file path=ppt/diagrams/quickStyle2.xml><?xml version="1.0" encoding="utf-8"?>
-<dgm:styleDef xmlns:dgm="http://schemas.openxmlformats.org/drawingml/2006/diagram" xmlns:a="http://schemas.openxmlformats.org/drawingml/2006/main" uniqueId="urn:microsoft.com/office/officeart/2005/8/quickstyle/simple4">
-  <dgm:title val=""/>
-  <dgm:desc val=""/>
-  <dgm:catLst>
-    <dgm:cat type="simple" pri="10400"/>
-  </dgm:catLst>
-  <dgm:scene3d>
-    <a:camera prst="orthographicFront"/>
-    <a:lightRig rig="threePt" dir="t"/>
-  </dgm:scene3d>
-  <dgm:styleLbl name="node0">
-    <dgm:scene3d>
-      <a:camera prst="orthographicFront"/>
-      <a:lightRig rig="threePt" dir="t"/>
-    </dgm:scene3d>
-    <dgm:sp3d/>
-    <dgm:txPr/>
-    <dgm:style>
-      <a:lnRef idx="0">
-        <a:scrgbClr r="0" g="0" b="0"/>
-      </a:lnRef>
-      <a:fillRef idx="3">
-        <a:scrgbClr r="0" g="0" b="0"/>
-      </a:fillRef>
-      <a:effectRef idx="2">
-        <a:scrgbClr r="0" g="0" b="0"/>
-      </a:effectRef>
-      <a:fontRef idx="minor">
-        <a:schemeClr val="lt1"/>
-      </a:fontRef>
-    </dgm:style>
-  </dgm:styleLbl>
-  <dgm:styleLbl name="lnNode1">
-    <dgm:scene3d>
-      <a:camera prst="orthographicFront"/>
-      <a:lightRig rig="threePt" dir="t"/>
-    </dgm:scene3d>
-    <dgm:sp3d/>
-    <dgm:txPr/>
-    <dgm:style>
-      <a:lnRef idx="1">
-        <a:scrgbClr r="0" g="0" b="0"/>
-      </a:lnRef>
-      <a:fillRef idx="3">
-        <a:scrgbClr r="0" g="0" b="0"/>
-      </a:fillRef>
-      <a:effectRef idx="2">
-        <a:scrgbClr r="0" g="0" b="0"/>
-      </a:effectRef>
-      <a:fontRef idx="minor">
-        <a:schemeClr val="lt1"/>
-      </a:fontRef>
-    </dgm:style>
-  </dgm:styleLbl>
-  <dgm:styleLbl name="vennNode1">
-    <dgm:scene3d>
-      <a:camera prst="orthographicFront"/>
-      <a:lightRig rig="threePt" dir="t"/>
-    </dgm:scene3d>
-    <dgm:sp3d/>
-    <dgm:txPr/>
-    <dgm:style>
-      <a:lnRef idx="0">
-        <a:scrgbClr r="0" g="0" b="0"/>
-      </a:lnRef>
-      <a:fillRef idx="3">
-        <a:scrgbClr r="0" g="0" b="0"/>
-      </a:fillRef>
-      <a:effectRef idx="0">
-        <a:scrgbClr r="0" g="0" b="0"/>
-      </a:effectRef>
-      <a:fontRef idx="minor">
-        <a:schemeClr val="tx1"/>
-      </a:fontRef>
-    </dgm:style>
-  </dgm:styleLbl>
-  <dgm:styleLbl name="alignNode1">
-    <dgm:scene3d>
-      <a:camera prst="orthographicFront"/>
-      <a:lightRig rig="threePt" dir="t"/>
-    </dgm:scene3d>
-    <dgm:sp3d/>
-    <dgm:txPr/>
-    <dgm:style>
-      <a:lnRef idx="1">
-        <a:scrgbClr r="0" g="0" b="0"/>
-      </a:lnRef>
-      <a:fillRef idx="3">
-        <a:scrgbClr r="0" g="0" b="0"/>
-      </a:fillRef>
-      <a:effectRef idx="2">
-        <a:scrgbClr r="0" g="0" b="0"/>
-      </a:effectRef>
-      <a:fontRef idx="minor">
-        <a:schemeClr val="lt1"/>
-      </a:fontRef>
-    </dgm:style>
-  </dgm:styleLbl>
-  <dgm:styleLbl name="node1">
-    <dgm:scene3d>
-      <a:camera prst="orthographicFront"/>
-      <a:lightRig rig="threePt" dir="t"/>
-    </dgm:scene3d>
-    <dgm:sp3d/>
-    <dgm:txPr/>
-    <dgm:style>
-      <a:lnRef idx="0">
-        <a:scrgbClr r="0" g="0" b="0"/>
-      </a:lnRef>
-      <a:fillRef idx="3">
-        <a:scrgbClr r="0" g="0" b="0"/>
-      </a:fillRef>
-      <a:effectRef idx="2">
-        <a:scrgbClr r="0" g="0" b="0"/>
-      </a:effectRef>
-      <a:fontRef idx="minor">
-        <a:schemeClr val="lt1"/>
-      </a:fontRef>
-    </dgm:style>
-  </dgm:styleLbl>
-  <dgm:styleLbl name="node2">
-    <dgm:scene3d>
-      <a:camera prst="orthographicFront"/>
-      <a:lightRig rig="threePt" dir="t"/>
-    </dgm:scene3d>
-    <dgm:sp3d/>
-    <dgm:txPr/>
-    <dgm:style>
-      <a:lnRef idx="0">
-        <a:scrgbClr r="0" g="0" b="0"/>
-      </a:lnRef>
-      <a:fillRef idx="3">
-        <a:scrgbClr r="0" g="0" b="0"/>
-      </a:fillRef>
-      <a:effectRef idx="2">
-        <a:scrgbClr r="0" g="0" b="0"/>
-      </a:effectRef>
-      <a:fontRef idx="minor">
-        <a:schemeClr val="lt1"/>
-      </a:fontRef>
-    </dgm:style>
-  </dgm:styleLbl>
-  <dgm:styleLbl name="node3">
-    <dgm:scene3d>
-      <a:camera prst="orthographicFront"/>
-      <a:lightRig rig="threePt" dir="t"/>
-    </dgm:scene3d>
-    <dgm:sp3d/>
-    <dgm:txPr/>
-    <dgm:style>
-      <a:lnRef idx="0">
-        <a:scrgbClr r="0" g="0" b="0"/>
-      </a:lnRef>
-      <a:fillRef idx="3">
-        <a:scrgbClr r="0" g="0" b="0"/>
-      </a:fillRef>
-      <a:effectRef idx="2">
-        <a:scrgbClr r="0" g="0" b="0"/>
-      </a:effectRef>
-      <a:fontRef idx="minor">
-        <a:schemeClr val="lt1"/>
-      </a:fontRef>
-    </dgm:style>
-  </dgm:styleLbl>
-  <dgm:styleLbl name="node4">
-    <dgm:scene3d>
-      <a:camera prst="orthographicFront"/>
-      <a:lightRig rig="threePt" dir="t"/>
-    </dgm:scene3d>
-    <dgm:sp3d/>
-    <dgm:txPr/>
-    <dgm:style>
-      <a:lnRef idx="0">
-        <a:scrgbClr r="0" g="0" b="0"/>
-      </a:lnRef>
-      <a:fillRef idx="3">
-        <a:scrgbClr r="0" g="0" b="0"/>
-      </a:fillRef>
-      <a:effectRef idx="2">
-        <a:scrgbClr r="0" g="0" b="0"/>
-      </a:effectRef>
-      <a:fontRef idx="minor">
-        <a:schemeClr val="lt1"/>
-      </a:fontRef>
-    </dgm:style>
-  </dgm:styleLbl>
-  <dgm:styleLbl name="fgImgPlace1">
-    <dgm:scene3d>
-      <a:camera prst="orthographicFront"/>
-      <a:lightRig rig="threePt" dir="t"/>
-    </dgm:scene3d>
-    <dgm:sp3d/>
-    <dgm:txPr/>
-    <dgm:style>
-      <a:lnRef idx="0">
-        <a:scrgbClr r="0" g="0" b="0"/>
-      </a:lnRef>
-      <a:fillRef idx="1">
-        <a:scrgbClr r="0" g="0" b="0"/>
-      </a:fillRef>
-      <a:effectRef idx="2">
-        <a:scrgbClr r="0" g="0" b="0"/>
-      </a:effectRef>
-      <a:fontRef idx="minor"/>
-    </dgm:style>
-  </dgm:styleLbl>
-  <dgm:styleLbl name="alignImgPlace1">
-    <dgm:scene3d>
-      <a:camera prst="orthographicFront"/>
-      <a:lightRig rig="threePt" dir="t"/>
-    </dgm:scene3d>
-    <dgm:sp3d/>
-    <dgm:txPr/>
-    <dgm:style>
-      <a:lnRef idx="0">
-        <a:scrgbClr r="0" g="0" b="0"/>
-      </a:lnRef>
-      <a:fillRef idx="1">
-        <a:scrgbClr r="0" g="0" b="0"/>
-      </a:fillRef>
-      <a:effectRef idx="2">
-        <a:scrgbClr r="0" g="0" b="0"/>
-      </a:effectRef>
-      <a:fontRef idx="minor"/>
-    </dgm:style>
-  </dgm:styleLbl>
-  <dgm:styleLbl name="bgImgPlace1">
-    <dgm:scene3d>
-      <a:camera prst="orthographicFront"/>
-      <a:lightRig rig="threePt" dir="t"/>
-    </dgm:scene3d>
-    <dgm:sp3d/>
-    <dgm:txPr/>
-    <dgm:style>
-      <a:lnRef idx="0">
-        <a:scrgbClr r="0" g="0" b="0"/>
-      </a:lnRef>
-      <a:fillRef idx="1">
-        <a:scrgbClr r="0" g="0" b="0"/>
-      </a:fillRef>
-      <a:effectRef idx="2">
-        <a:scrgbClr r="0" g="0" b="0"/>
-      </a:effectRef>
-      <a:fontRef idx="minor"/>
-    </dgm:style>
-  </dgm:styleLbl>
-  <dgm:styleLbl name="sibTrans2D1">
-    <dgm:scene3d>
-      <a:camera prst="orthographicFront"/>
-      <a:lightRig rig="threePt" dir="t"/>
-    </dgm:scene3d>
-    <dgm:sp3d/>
-    <dgm:txPr/>
-    <dgm:style>
-      <a:lnRef idx="0">
-        <a:scrgbClr r="0" g="0" b="0"/>
-      </a:lnRef>
-      <a:fillRef idx="3">
-        <a:scrgbClr r="0" g="0" b="0"/>
-      </a:fillRef>
-      <a:effectRef idx="2">
-        <a:scrgbClr r="0" g="0" b="0"/>
-      </a:effectRef>
-      <a:fontRef idx="minor">
-        <a:schemeClr val="lt1"/>
-      </a:fontRef>
-    </dgm:style>
-  </dgm:styleLbl>
-  <dgm:styleLbl name="fgSibTrans2D1">
-    <dgm:scene3d>
-      <a:camera prst="orthographicFront"/>
-      <a:lightRig rig="threePt" dir="t"/>
-    </dgm:scene3d>
-    <dgm:sp3d/>
-    <dgm:txPr/>
-    <dgm:style>
-      <a:lnRef idx="0">
-        <a:scrgbClr r="0" g="0" b="0"/>
-      </a:lnRef>
-      <a:fillRef idx="3">
-        <a:scrgbClr r="0" g="0" b="0"/>
-      </a:fillRef>
-      <a:effectRef idx="2">
-        <a:scrgbClr r="0" g="0" b="0"/>
-      </a:effectRef>
-      <a:fontRef idx="minor">
-        <a:schemeClr val="lt1"/>
-      </a:fontRef>
-    </dgm:style>
-  </dgm:styleLbl>
-  <dgm:styleLbl name="bgSibTrans2D1">
-    <dgm:scene3d>
-      <a:camera prst="orthographicFront"/>
-      <a:lightRig rig="threePt" dir="t"/>
-    </dgm:scene3d>
-    <dgm:sp3d/>
-    <dgm:txPr/>
-    <dgm:style>
-      <a:lnRef idx="0">
-        <a:scrgbClr r="0" g="0" b="0"/>
-      </a:lnRef>
-      <a:fillRef idx="3">
-        <a:scrgbClr r="0" g="0" b="0"/>
-      </a:fillRef>
-      <a:effectRef idx="2">
-        <a:scrgbClr r="0" g="0" b="0"/>
-      </a:effectRef>
-      <a:fontRef idx="minor">
-        <a:schemeClr val="lt1"/>
-      </a:fontRef>
-    </dgm:style>
-  </dgm:styleLbl>
-  <dgm:styleLbl name="sibTrans1D1">
-    <dgm:scene3d>
-      <a:camera prst="orthographicFront"/>
-      <a:lightRig rig="threePt" dir="t"/>
-    </dgm:scene3d>
-    <dgm:sp3d/>
-    <dgm:txPr/>
-    <dgm:style>
-      <a:lnRef idx="1">
-        <a:scrgbClr r="0" g="0" b="0"/>
-      </a:lnRef>
-      <a:fillRef idx="0">
-        <a:scrgbClr r="0" g="0" b="0"/>
-      </a:fillRef>
-      <a:effectRef idx="0">
-        <a:scrgbClr r="0" g="0" b="0"/>
-      </a:effectRef>
-      <a:fontRef idx="minor"/>
-    </dgm:style>
-  </dgm:styleLbl>
-  <dgm:styleLbl name="callout">
-    <dgm:scene3d>
-      <a:camera prst="orthographicFront"/>
-      <a:lightRig rig="threePt" dir="t"/>
-    </dgm:scene3d>
-    <dgm:sp3d/>
-    <dgm:txPr/>
-    <dgm:style>
-      <a:lnRef idx="2">
-        <a:scrgbClr r="0" g="0" b="0"/>
-      </a:lnRef>
-      <a:fillRef idx="1">
-        <a:scrgbClr r="0" g="0" b="0"/>
-      </a:fillRef>
-      <a:effectRef idx="1">
-        <a:scrgbClr r="0" g="0" b="0"/>
-      </a:effectRef>
-      <a:fontRef idx="minor"/>
-    </dgm:style>
-  </dgm:styleLbl>
-  <dgm:styleLbl name="asst0">
-    <dgm:scene3d>
-      <a:camera prst="orthographicFront"/>
-      <a:lightRig rig="threePt" dir="t"/>
-    </dgm:scene3d>
-    <dgm:sp3d/>
-    <dgm:txPr/>
-    <dgm:style>
-      <a:lnRef idx="0">
-        <a:scrgbClr r="0" g="0" b="0"/>
-      </a:lnRef>
-      <a:fillRef idx="3">
-        <a:scrgbClr r="0" g="0" b="0"/>
-      </a:fillRef>
-      <a:effectRef idx="2">
-        <a:scrgbClr r="0" g="0" b="0"/>
-      </a:effectRef>
-      <a:fontRef idx="minor">
-        <a:schemeClr val="lt1"/>
-      </a:fontRef>
-    </dgm:style>
-  </dgm:styleLbl>
-  <dgm:styleLbl name="asst1">
-    <dgm:scene3d>
-      <a:camera prst="orthographicFront"/>
-      <a:lightRig rig="threePt" dir="t"/>
-    </dgm:scene3d>
-    <dgm:sp3d/>
-    <dgm:txPr/>
-    <dgm:style>
-      <a:lnRef idx="0">
-        <a:scrgbClr r="0" g="0" b="0"/>
-      </a:lnRef>
-      <a:fillRef idx="3">
-        <a:scrgbClr r="0" g="0" b="0"/>
-      </a:fillRef>
-      <a:effectRef idx="2">
-        <a:scrgbClr r="0" g="0" b="0"/>
-      </a:effectRef>
-      <a:fontRef idx="minor">
-        <a:schemeClr val="lt1"/>
-      </a:fontRef>
-    </dgm:style>
-  </dgm:styleLbl>
-  <dgm:styleLbl name="asst2">
-    <dgm:scene3d>
-      <a:camera prst="orthographicFront"/>
-      <a:lightRig rig="threePt" dir="t"/>
-    </dgm:scene3d>
-    <dgm:sp3d/>
-    <dgm:txPr/>
-    <dgm:style>
-      <a:lnRef idx="0">
-        <a:scrgbClr r="0" g="0" b="0"/>
-      </a:lnRef>
-      <a:fillRef idx="3">
-        <a:scrgbClr r="0" g="0" b="0"/>
-      </a:fillRef>
-      <a:effectRef idx="2">
-        <a:scrgbClr r="0" g="0" b="0"/>
-      </a:effectRef>
-      <a:fontRef idx="minor">
-        <a:schemeClr val="lt1"/>
-      </a:fontRef>
-    </dgm:style>
-  </dgm:styleLbl>
-  <dgm:styleLbl name="asst3">
-    <dgm:scene3d>
-      <a:camera prst="orthographicFront"/>
-      <a:lightRig rig="threePt" dir="t"/>
-    </dgm:scene3d>
-    <dgm:sp3d/>
-    <dgm:txPr/>
-    <dgm:style>
-      <a:lnRef idx="0">
-        <a:scrgbClr r="0" g="0" b="0"/>
-      </a:lnRef>
-      <a:fillRef idx="3">
-        <a:scrgbClr r="0" g="0" b="0"/>
-      </a:fillRef>
-      <a:effectRef idx="2">
-        <a:scrgbClr r="0" g="0" b="0"/>
-      </a:effectRef>
-      <a:fontRef idx="minor">
-        <a:schemeClr val="lt1"/>
-      </a:fontRef>
-    </dgm:style>
-  </dgm:styleLbl>
-  <dgm:styleLbl name="asst4">
-    <dgm:scene3d>
-      <a:camera prst="orthographicFront"/>
-      <a:lightRig rig="threePt" dir="t"/>
-    </dgm:scene3d>
-    <dgm:sp3d/>
-    <dgm:txPr/>
-    <dgm:style>
-      <a:lnRef idx="0">
-        <a:scrgbClr r="0" g="0" b="0"/>
-      </a:lnRef>
-      <a:fillRef idx="3">
-        <a:scrgbClr r="0" g="0" b="0"/>
-      </a:fillRef>
-      <a:effectRef idx="2">
-        <a:scrgbClr r="0" g="0" b="0"/>
-      </a:effectRef>
-      <a:fontRef idx="minor">
-        <a:schemeClr val="lt1"/>
-      </a:fontRef>
-    </dgm:style>
-  </dgm:styleLbl>
-  <dgm:styleLbl name="parChTrans2D1">
-    <dgm:scene3d>
-      <a:camera prst="orthographicFront"/>
-      <a:lightRig rig="threePt" dir="t"/>
-    </dgm:scene3d>
-    <dgm:sp3d/>
-    <dgm:txPr/>
-    <dgm:style>
-      <a:lnRef idx="0">
-        <a:scrgbClr r="0" g="0" b="0"/>
-      </a:lnRef>
-      <a:fillRef idx="3">
-        <a:scrgbClr r="0" g="0" b="0"/>
-      </a:fillRef>
-      <a:effectRef idx="2">
-        <a:scrgbClr r="0" g="0" b="0"/>
-      </a:effectRef>
-      <a:fontRef idx="minor">
-        <a:schemeClr val="lt1"/>
-      </a:fontRef>
-    </dgm:style>
-  </dgm:styleLbl>
-  <dgm:styleLbl name="parChTrans2D2">
-    <dgm:scene3d>
-      <a:camera prst="orthographicFront"/>
-      <a:lightRig rig="threePt" dir="t"/>
-    </dgm:scene3d>
-    <dgm:sp3d/>
-    <dgm:txPr/>
-    <dgm:style>
-      <a:lnRef idx="0">
-        <a:scrgbClr r="0" g="0" b="0"/>
-      </a:lnRef>
-      <a:fillRef idx="3">
-        <a:scrgbClr r="0" g="0" b="0"/>
-      </a:fillRef>
-      <a:effectRef idx="2">
-        <a:scrgbClr r="0" g="0" b="0"/>
-      </a:effectRef>
-      <a:fontRef idx="minor">
-        <a:schemeClr val="lt1"/>
-      </a:fontRef>
-    </dgm:style>
-  </dgm:styleLbl>
-  <dgm:styleLbl name="parChTrans2D3">
-    <dgm:scene3d>
-      <a:camera prst="orthographicFront"/>
-      <a:lightRig rig="threePt" dir="t"/>
-    </dgm:scene3d>
-    <dgm:sp3d/>
-    <dgm:txPr/>
-    <dgm:style>
-      <a:lnRef idx="1">
-        <a:scrgbClr r="0" g="0" b="0"/>
-      </a:lnRef>
-      <a:fillRef idx="3">
-        <a:scrgbClr r="0" g="0" b="0"/>
-      </a:fillRef>
-      <a:effectRef idx="2">
-        <a:scrgbClr r="0" g="0" b="0"/>
-      </a:effectRef>
-      <a:fontRef idx="minor">
-        <a:schemeClr val="lt1"/>
-      </a:fontRef>
-    </dgm:style>
-  </dgm:styleLbl>
-  <dgm:styleLbl name="parChTrans2D4">
-    <dgm:scene3d>
-      <a:camera prst="orthographicFront"/>
-      <a:lightRig rig="threePt" dir="t"/>
-    </dgm:scene3d>
-    <dgm:sp3d/>
-    <dgm:txPr/>
-    <dgm:style>
-      <a:lnRef idx="1">
-        <a:scrgbClr r="0" g="0" b="0"/>
-      </a:lnRef>
-      <a:fillRef idx="3">
-        <a:scrgbClr r="0" g="0" b="0"/>
-      </a:fillRef>
-      <a:effectRef idx="2">
-        <a:scrgbClr r="0" g="0" b="0"/>
-      </a:effectRef>
-      <a:fontRef idx="minor">
-        <a:schemeClr val="lt1"/>
-      </a:fontRef>
-    </dgm:style>
-  </dgm:styleLbl>
-  <dgm:styleLbl name="parChTrans1D1">
-    <dgm:scene3d>
-      <a:camera prst="orthographicFront"/>
-      <a:lightRig rig="threePt" dir="t"/>
-    </dgm:scene3d>
-    <dgm:sp3d/>
-    <dgm:txPr/>
-    <dgm:style>
-      <a:lnRef idx="1">
-        <a:scrgbClr r="0" g="0" b="0"/>
-      </a:lnRef>
-      <a:fillRef idx="0">
-        <a:scrgbClr r="0" g="0" b="0"/>
-      </a:fillRef>
-      <a:effectRef idx="0">
-        <a:scrgbClr r="0" g="0" b="0"/>
-      </a:effectRef>
-      <a:fontRef idx="minor"/>
-    </dgm:style>
-  </dgm:styleLbl>
-  <dgm:styleLbl name="parChTrans1D2">
-    <dgm:scene3d>
-      <a:camera prst="orthographicFront"/>
-      <a:lightRig rig="threePt" dir="t"/>
-    </dgm:scene3d>
-    <dgm:sp3d/>
-    <dgm:txPr/>
-    <dgm:style>
-      <a:lnRef idx="1">
-        <a:scrgbClr r="0" g="0" b="0"/>
-      </a:lnRef>
-      <a:fillRef idx="0">
-        <a:scrgbClr r="0" g="0" b="0"/>
-      </a:fillRef>
-      <a:effectRef idx="0">
-        <a:scrgbClr r="0" g="0" b="0"/>
-      </a:effectRef>
-      <a:fontRef idx="minor"/>
-    </dgm:style>
-  </dgm:styleLbl>
-  <dgm:styleLbl name="parChTrans1D3">
-    <dgm:scene3d>
-      <a:camera prst="orthographicFront"/>
-      <a:lightRig rig="threePt" dir="t"/>
-    </dgm:scene3d>
-    <dgm:sp3d/>
-    <dgm:txPr/>
-    <dgm:style>
-      <a:lnRef idx="1">
-        <a:scrgbClr r="0" g="0" b="0"/>
-      </a:lnRef>
-      <a:fillRef idx="0">
-        <a:scrgbClr r="0" g="0" b="0"/>
-      </a:fillRef>
-      <a:effectRef idx="0">
-        <a:scrgbClr r="0" g="0" b="0"/>
-      </a:effectRef>
-      <a:fontRef idx="minor"/>
-    </dgm:style>
-  </dgm:styleLbl>
-  <dgm:styleLbl name="parChTrans1D4">
-    <dgm:scene3d>
-      <a:camera prst="orthographicFront"/>
-      <a:lightRig rig="threePt" dir="t"/>
-    </dgm:scene3d>
-    <dgm:sp3d/>
-    <dgm:txPr/>
-    <dgm:style>
-      <a:lnRef idx="1">
-        <a:scrgbClr r="0" g="0" b="0"/>
-      </a:lnRef>
-      <a:fillRef idx="0">
-        <a:scrgbClr r="0" g="0" b="0"/>
-      </a:fillRef>
-      <a:effectRef idx="0">
-        <a:scrgbClr r="0" g="0" b="0"/>
-      </a:effectRef>
-      <a:fontRef idx="minor"/>
-    </dgm:style>
-  </dgm:styleLbl>
-  <dgm:styleLbl name="fgAcc1">
-    <dgm:scene3d>
-      <a:camera prst="orthographicFront"/>
-      <a:lightRig rig="threePt" dir="t"/>
-    </dgm:scene3d>
-    <dgm:sp3d/>
-    <dgm:txPr/>
-    <dgm:style>
-      <a:lnRef idx="1">
-        <a:scrgbClr r="0" g="0" b="0"/>
-      </a:lnRef>
-      <a:fillRef idx="1">
-        <a:scrgbClr r="0" g="0" b="0"/>
-      </a:fillRef>
-      <a:effectRef idx="0">
-        <a:scrgbClr r="0" g="0" b="0"/>
-      </a:effectRef>
-      <a:fontRef idx="minor"/>
-    </dgm:style>
-  </dgm:styleLbl>
-  <dgm:styleLbl name="conFgAcc1">
-    <dgm:scene3d>
-      <a:camera prst="orthographicFront"/>
-      <a:lightRig rig="threePt" dir="t"/>
-    </dgm:scene3d>
-    <dgm:sp3d/>
-    <dgm:txPr/>
-    <dgm:style>
-      <a:lnRef idx="1">
-        <a:scrgbClr r="0" g="0" b="0"/>
-      </a:lnRef>
-      <a:fillRef idx="1">
-        <a:scrgbClr r="0" g="0" b="0"/>
-      </a:fillRef>
-      <a:effectRef idx="0">
-        <a:scrgbClr r="0" g="0" b="0"/>
-      </a:effectRef>
-      <a:fontRef idx="minor"/>
-    </dgm:style>
-  </dgm:styleLbl>
-  <dgm:styleLbl name="alignAcc1">
-    <dgm:scene3d>
-      <a:camera prst="orthographicFront"/>
-      <a:lightRig rig="threePt" dir="t"/>
-    </dgm:scene3d>
-    <dgm:sp3d/>
-    <dgm:txPr/>
-    <dgm:style>
-      <a:lnRef idx="1">
-        <a:scrgbClr r="0" g="0" b="0"/>
-      </a:lnRef>
-      <a:fillRef idx="1">
-        <a:scrgbClr r="0" g="0" b="0"/>
-      </a:fillRef>
-      <a:effectRef idx="0">
-        <a:scrgbClr r="0" g="0" b="0"/>
-      </a:effectRef>
-      <a:fontRef idx="minor"/>
-    </dgm:style>
-  </dgm:styleLbl>
-  <dgm:styleLbl name="trAlignAcc1">
-    <dgm:scene3d>
-      <a:camera prst="orthographicFront"/>
-      <a:lightRig rig="threePt" dir="t"/>
-    </dgm:scene3d>
-    <dgm:sp3d/>
-    <dgm:txPr/>
-    <dgm:style>
-      <a:lnRef idx="1">
-        <a:scrgbClr r="0" g="0" b="0"/>
-      </a:lnRef>
-      <a:fillRef idx="1">
-        <a:scrgbClr r="0" g="0" b="0"/>
-      </a:fillRef>
-      <a:effectRef idx="0">
-        <a:scrgbClr r="0" g="0" b="0"/>
-      </a:effectRef>
-      <a:fontRef idx="minor"/>
-    </dgm:style>
-  </dgm:styleLbl>
-  <dgm:styleLbl name="bgAcc1">
-    <dgm:scene3d>
-      <a:camera prst="orthographicFront"/>
-      <a:lightRig rig="threePt" dir="t"/>
-    </dgm:scene3d>
-    <dgm:sp3d/>
-    <dgm:txPr/>
-    <dgm:style>
-      <a:lnRef idx="1">
-        <a:scrgbClr r="0" g="0" b="0"/>
-      </a:lnRef>
-      <a:fillRef idx="1">
-        <a:scrgbClr r="0" g="0" b="0"/>
-      </a:fillRef>
-      <a:effectRef idx="0">
-        <a:scrgbClr r="0" g="0" b="0"/>
-      </a:effectRef>
-      <a:fontRef idx="minor"/>
-    </dgm:style>
-  </dgm:styleLbl>
-  <dgm:styleLbl name="solidFgAcc1">
-    <dgm:scene3d>
-      <a:camera prst="orthographicFront"/>
-      <a:lightRig rig="threePt" dir="t"/>
-    </dgm:scene3d>
-    <dgm:sp3d/>
-    <dgm:txPr/>
-    <dgm:style>
-      <a:lnRef idx="1">
-        <a:scrgbClr r="0" g="0" b="0"/>
-      </a:lnRef>
-      <a:fillRef idx="1">
-        <a:scrgbClr r="0" g="0" b="0"/>
-      </a:fillRef>
-      <a:effectRef idx="0">
-        <a:scrgbClr r="0" g="0" b="0"/>
-      </a:effectRef>
-      <a:fontRef idx="minor"/>
-    </dgm:style>
-  </dgm:styleLbl>
-  <dgm:styleLbl name="solidAlignAcc1">
-    <dgm:scene3d>
-      <a:camera prst="orthographicFront"/>
-      <a:lightRig rig="threePt" dir="t"/>
-    </dgm:scene3d>
-    <dgm:sp3d/>
-    <dgm:txPr/>
-    <dgm:style>
-      <a:lnRef idx="1">
-        <a:scrgbClr r="0" g="0" b="0"/>
-      </a:lnRef>
-      <a:fillRef idx="1">
-        <a:scrgbClr r="0" g="0" b="0"/>
-      </a:fillRef>
-      <a:effectRef idx="0">
-        <a:scrgbClr r="0" g="0" b="0"/>
-      </a:effectRef>
-      <a:fontRef idx="minor"/>
-    </dgm:style>
-  </dgm:styleLbl>
-  <dgm:styleLbl name="solidBgAcc1">
-    <dgm:scene3d>
-      <a:camera prst="orthographicFront"/>
-      <a:lightRig rig="threePt" dir="t"/>
-    </dgm:scene3d>
-    <dgm:sp3d/>
-    <dgm:txPr/>
-    <dgm:style>
-      <a:lnRef idx="1">
-        <a:scrgbClr r="0" g="0" b="0"/>
-      </a:lnRef>
-      <a:fillRef idx="1">
-        <a:scrgbClr r="0" g="0" b="0"/>
-      </a:fillRef>
-      <a:effectRef idx="0">
-        <a:scrgbClr r="0" g="0" b="0"/>
-      </a:effectRef>
-      <a:fontRef idx="minor"/>
-    </dgm:style>
-  </dgm:styleLbl>
-  <dgm:styleLbl name="fgAccFollowNode1">
-    <dgm:scene3d>
-      <a:camera prst="orthographicFront"/>
-      <a:lightRig rig="threePt" dir="t"/>
-    </dgm:scene3d>
-    <dgm:sp3d/>
-    <dgm:txPr/>
-    <dgm:style>
-      <a:lnRef idx="1">
-        <a:scrgbClr r="0" g="0" b="0"/>
-      </a:lnRef>
-      <a:fillRef idx="1">
-        <a:scrgbClr r="0" g="0" b="0"/>
-      </a:fillRef>
-      <a:effectRef idx="0">
-        <a:scrgbClr r="0" g="0" b="0"/>
-      </a:effectRef>
-      <a:fontRef idx="minor"/>
-    </dgm:style>
-  </dgm:styleLbl>
-  <dgm:styleLbl name="alignAccFollowNode1">
-    <dgm:scene3d>
-      <a:camera prst="orthographicFront"/>
-      <a:lightRig rig="threePt" dir="t"/>
-    </dgm:scene3d>
-    <dgm:sp3d/>
-    <dgm:txPr/>
-    <dgm:style>
-      <a:lnRef idx="1">
-        <a:scrgbClr r="0" g="0" b="0"/>
-      </a:lnRef>
-      <a:fillRef idx="1">
-        <a:scrgbClr r="0" g="0" b="0"/>
-      </a:fillRef>
-      <a:effectRef idx="0">
-        <a:scrgbClr r="0" g="0" b="0"/>
-      </a:effectRef>
-      <a:fontRef idx="minor"/>
-    </dgm:style>
-  </dgm:styleLbl>
-  <dgm:styleLbl name="bgAccFollowNode1">
-    <dgm:scene3d>
-      <a:camera prst="orthographicFront"/>
-      <a:lightRig rig="threePt" dir="t"/>
-    </dgm:scene3d>
-    <dgm:sp3d/>
-    <dgm:txPr/>
-    <dgm:style>
-      <a:lnRef idx="1">
-        <a:scrgbClr r="0" g="0" b="0"/>
-      </a:lnRef>
-      <a:fillRef idx="1">
-        <a:scrgbClr r="0" g="0" b="0"/>
-      </a:fillRef>
-      <a:effectRef idx="0">
-        <a:scrgbClr r="0" g="0" b="0"/>
-      </a:effectRef>
-      <a:fontRef idx="minor"/>
-    </dgm:style>
-  </dgm:styleLbl>
-  <dgm:styleLbl name="fgAcc0">
-    <dgm:scene3d>
-      <a:camera prst="orthographicFront"/>
-      <a:lightRig rig="threePt" dir="t"/>
-    </dgm:scene3d>
-    <dgm:sp3d/>
-    <dgm:txPr/>
-    <dgm:style>
-      <a:lnRef idx="1">
-        <a:scrgbClr r="0" g="0" b="0"/>
-      </a:lnRef>
-      <a:fillRef idx="1">
-        <a:scrgbClr r="0" g="0" b="0"/>
-      </a:fillRef>
-      <a:effectRef idx="0">
-        <a:scrgbClr r="0" g="0" b="0"/>
-      </a:effectRef>
-      <a:fontRef idx="minor"/>
-    </dgm:style>
-  </dgm:styleLbl>
-  <dgm:styleLbl name="fgAcc2">
-    <dgm:scene3d>
-      <a:camera prst="orthographicFront"/>
-      <a:lightRig rig="threePt" dir="t"/>
-    </dgm:scene3d>
-    <dgm:sp3d/>
-    <dgm:txPr/>
-    <dgm:style>
-      <a:lnRef idx="1">
-        <a:scrgbClr r="0" g="0" b="0"/>
-      </a:lnRef>
-      <a:fillRef idx="1">
-        <a:scrgbClr r="0" g="0" b="0"/>
-      </a:fillRef>
-      <a:effectRef idx="0">
-        <a:scrgbClr r="0" g="0" b="0"/>
-      </a:effectRef>
-      <a:fontRef idx="minor"/>
-    </dgm:style>
-  </dgm:styleLbl>
-  <dgm:styleLbl name="fgAcc3">
-    <dgm:scene3d>
-      <a:camera prst="orthographicFront"/>
-      <a:lightRig rig="threePt" dir="t"/>
-    </dgm:scene3d>
-    <dgm:sp3d/>
-    <dgm:txPr/>
-    <dgm:style>
-      <a:lnRef idx="1">
-        <a:scrgbClr r="0" g="0" b="0"/>
-      </a:lnRef>
-      <a:fillRef idx="1">
-        <a:scrgbClr r="0" g="0" b="0"/>
-      </a:fillRef>
-      <a:effectRef idx="0">
-        <a:scrgbClr r="0" g="0" b="0"/>
-      </a:effectRef>
-      <a:fontRef idx="minor"/>
-    </dgm:style>
-  </dgm:styleLbl>
-  <dgm:styleLbl name="fgAcc4">
-    <dgm:scene3d>
-      <a:camera prst="orthographicFront"/>
-      <a:lightRig rig="threePt" dir="t"/>
-    </dgm:scene3d>
-    <dgm:sp3d/>
-    <dgm:txPr/>
-    <dgm:style>
-      <a:lnRef idx="1">
-        <a:scrgbClr r="0" g="0" b="0"/>
-      </a:lnRef>
-      <a:fillRef idx="1">
-        <a:scrgbClr r="0" g="0" b="0"/>
-      </a:fillRef>
-      <a:effectRef idx="0">
-        <a:scrgbClr r="0" g="0" b="0"/>
-      </a:effectRef>
-      <a:fontRef idx="minor"/>
-    </dgm:style>
-  </dgm:styleLbl>
-  <dgm:styleLbl name="bgShp">
-    <dgm:scene3d>
-      <a:camera prst="orthographicFront"/>
-      <a:lightRig rig="threePt" dir="t"/>
-    </dgm:scene3d>
-    <dgm:sp3d/>
-    <dgm:txPr/>
-    <dgm:style>
-      <a:lnRef idx="0">
-        <a:scrgbClr r="0" g="0" b="0"/>
-      </a:lnRef>
-      <a:fillRef idx="1">
-        <a:scrgbClr r="0" g="0" b="0"/>
-      </a:fillRef>
-      <a:effectRef idx="2">
-        <a:scrgbClr r="0" g="0" b="0"/>
-      </a:effectRef>
-      <a:fontRef idx="minor"/>
-    </dgm:style>
-  </dgm:styleLbl>
-  <dgm:styleLbl name="dkBgShp">
-    <dgm:scene3d>
-      <a:camera prst="orthographicFront"/>
-      <a:lightRig rig="threePt" dir="t"/>
-    </dgm:scene3d>
-    <dgm:sp3d/>
-    <dgm:txPr/>
-    <dgm:style>
-      <a:lnRef idx="0">
-        <a:scrgbClr r="0" g="0" b="0"/>
-      </a:lnRef>
-      <a:fillRef idx="1">
-        <a:scrgbClr r="0" g="0" b="0"/>
-      </a:fillRef>
-      <a:effectRef idx="2">
-        <a:scrgbClr r="0" g="0" b="0"/>
-      </a:effectRef>
-      <a:fontRef idx="minor"/>
-    </dgm:style>
-  </dgm:styleLbl>
-  <dgm:styleLbl name="trBgShp">
-    <dgm:scene3d>
-      <a:camera prst="orthographicFront"/>
-      <a:lightRig rig="threePt" dir="t"/>
-    </dgm:scene3d>
-    <dgm:sp3d/>
-    <dgm:txPr/>
-    <dgm:style>
-      <a:lnRef idx="0">
-        <a:scrgbClr r="0" g="0" b="0"/>
-      </a:lnRef>
-      <a:fillRef idx="1">
-        <a:scrgbClr r="0" g="0" b="0"/>
-      </a:fillRef>
-      <a:effectRef idx="0">
-        <a:scrgbClr r="0" g="0" b="0"/>
-      </a:effectRef>
-      <a:fontRef idx="minor"/>
-    </dgm:style>
-  </dgm:styleLbl>
-  <dgm:styleLbl name="fgShp">
-    <dgm:scene3d>
-      <a:camera prst="orthographicFront"/>
-      <a:lightRig rig="threePt" dir="t"/>
-    </dgm:scene3d>
-    <dgm:sp3d/>
-    <dgm:txPr/>
-    <dgm:style>
-      <a:lnRef idx="0">
-        <a:scrgbClr r="0" g="0" b="0"/>
-      </a:lnRef>
-      <a:fillRef idx="3">
-        <a:scrgbClr r="0" g="0" b="0"/>
-      </a:fillRef>
-      <a:effectRef idx="2">
-        <a:scrgbClr r="0" g="0" b="0"/>
-      </a:effectRef>
-      <a:fontRef idx="minor"/>
-    </dgm:style>
-  </dgm:styleLbl>
-  <dgm:styleLbl name="revTx">
-    <dgm:scene3d>
-      <a:camera prst="orthographicFront"/>
-      <a:lightRig rig="threePt" dir="t"/>
-    </dgm:scene3d>
-    <dgm:sp3d/>
-    <dgm:txPr/>
-    <dgm:style>
-      <a:lnRef idx="0">
-        <a:scrgbClr r="0" g="0" b="0"/>
-      </a:lnRef>
-      <a:fillRef idx="0">
-        <a:scrgbClr r="0" g="0" b="0"/>
-      </a:fillRef>
-      <a:effectRef idx="0">
-        <a:scrgbClr r="0" g="0" b="0"/>
-      </a:effectRef>
-      <a:fontRef idx="minor"/>
-    </dgm:style>
-  </dgm:styleLbl>
-</dgm:styleDef>
-</file>
-
 <file path=ppt/notesMasters/notesMaster1.xml><?xml version="1.0" encoding="utf-8"?>
 <p:notesMaster xmlns:a="http://schemas.openxmlformats.org/drawingml/2006/main" xmlns:r="http://schemas.openxmlformats.org/officeDocument/2006/relationships" xmlns:p="http://schemas.openxmlformats.org/presentationml/2006/main">
   <p:cSld>
@@ -8676,7 +6023,7 @@
               </a:spcAft>
               <a:buNone/>
             </a:pPr>
-            <a:endParaRPr dirty="0"/>
+            <a:endParaRPr lang="en-US" dirty="0"/>
           </a:p>
         </p:txBody>
       </p:sp>
@@ -9108,7 +6455,12 @@
             <p:ph type="sldImg"/>
           </p:nvPr>
         </p:nvSpPr>
-        <p:spPr/>
+        <p:spPr>
+          <a:xfrm>
+            <a:off x="381000" y="685800"/>
+            <a:ext cx="6096000" cy="3429000"/>
+          </a:xfrm>
+        </p:spPr>
       </p:sp>
       <p:sp>
         <p:nvSpPr>
@@ -16598,28 +13950,819 @@
           </a:p>
         </p:txBody>
       </p:sp>
-      <p:graphicFrame>
-        <p:nvGraphicFramePr>
-          <p:cNvPr id="7" name="Diagram 6">
+      <p:sp>
+        <p:nvSpPr>
+          <p:cNvPr id="4" name="Freeform: Shape 3">
             <a:extLst>
               <a:ext uri="{FF2B5EF4-FFF2-40B4-BE49-F238E27FC236}">
-                <a16:creationId xmlns:a16="http://schemas.microsoft.com/office/drawing/2014/main" id="{C3296D14-53CC-47DA-82D7-FC2E3F5839A9}"/>
+                <a16:creationId xmlns:a16="http://schemas.microsoft.com/office/drawing/2014/main" id="{C7825F02-E901-4F83-87DF-29E42C3C28BD}"/>
               </a:ext>
             </a:extLst>
           </p:cNvPr>
-          <p:cNvGraphicFramePr/>
+          <p:cNvSpPr/>
           <p:nvPr/>
-        </p:nvGraphicFramePr>
-        <p:xfrm>
-          <a:off x="234891" y="1672897"/>
-          <a:ext cx="7029975" cy="3016549"/>
-        </p:xfrm>
-        <a:graphic>
-          <a:graphicData uri="http://schemas.openxmlformats.org/drawingml/2006/diagram">
-            <dgm:relIds xmlns:dgm="http://schemas.openxmlformats.org/drawingml/2006/diagram" xmlns:r="http://schemas.openxmlformats.org/officeDocument/2006/relationships" r:dm="rId2" r:lo="rId3" r:qs="rId4" r:cs="rId5"/>
-          </a:graphicData>
-        </a:graphic>
-      </p:graphicFrame>
+        </p:nvSpPr>
+        <p:spPr>
+          <a:xfrm>
+            <a:off x="391344" y="1672897"/>
+            <a:ext cx="6717068" cy="754137"/>
+          </a:xfrm>
+          <a:custGeom>
+            <a:avLst/>
+            <a:gdLst>
+              <a:gd name="connsiteX0" fmla="*/ 0 w 6717068"/>
+              <a:gd name="connsiteY0" fmla="*/ 75414 h 754137"/>
+              <a:gd name="connsiteX1" fmla="*/ 75414 w 6717068"/>
+              <a:gd name="connsiteY1" fmla="*/ 0 h 754137"/>
+              <a:gd name="connsiteX2" fmla="*/ 6641654 w 6717068"/>
+              <a:gd name="connsiteY2" fmla="*/ 0 h 754137"/>
+              <a:gd name="connsiteX3" fmla="*/ 6717068 w 6717068"/>
+              <a:gd name="connsiteY3" fmla="*/ 75414 h 754137"/>
+              <a:gd name="connsiteX4" fmla="*/ 6717068 w 6717068"/>
+              <a:gd name="connsiteY4" fmla="*/ 678723 h 754137"/>
+              <a:gd name="connsiteX5" fmla="*/ 6641654 w 6717068"/>
+              <a:gd name="connsiteY5" fmla="*/ 754137 h 754137"/>
+              <a:gd name="connsiteX6" fmla="*/ 75414 w 6717068"/>
+              <a:gd name="connsiteY6" fmla="*/ 754137 h 754137"/>
+              <a:gd name="connsiteX7" fmla="*/ 0 w 6717068"/>
+              <a:gd name="connsiteY7" fmla="*/ 678723 h 754137"/>
+              <a:gd name="connsiteX8" fmla="*/ 0 w 6717068"/>
+              <a:gd name="connsiteY8" fmla="*/ 75414 h 754137"/>
+            </a:gdLst>
+            <a:ahLst/>
+            <a:cxnLst>
+              <a:cxn ang="0">
+                <a:pos x="connsiteX0" y="connsiteY0"/>
+              </a:cxn>
+              <a:cxn ang="0">
+                <a:pos x="connsiteX1" y="connsiteY1"/>
+              </a:cxn>
+              <a:cxn ang="0">
+                <a:pos x="connsiteX2" y="connsiteY2"/>
+              </a:cxn>
+              <a:cxn ang="0">
+                <a:pos x="connsiteX3" y="connsiteY3"/>
+              </a:cxn>
+              <a:cxn ang="0">
+                <a:pos x="connsiteX4" y="connsiteY4"/>
+              </a:cxn>
+              <a:cxn ang="0">
+                <a:pos x="connsiteX5" y="connsiteY5"/>
+              </a:cxn>
+              <a:cxn ang="0">
+                <a:pos x="connsiteX6" y="connsiteY6"/>
+              </a:cxn>
+              <a:cxn ang="0">
+                <a:pos x="connsiteX7" y="connsiteY7"/>
+              </a:cxn>
+              <a:cxn ang="0">
+                <a:pos x="connsiteX8" y="connsiteY8"/>
+              </a:cxn>
+            </a:cxnLst>
+            <a:rect l="l" t="t" r="r" b="b"/>
+            <a:pathLst>
+              <a:path w="6717068" h="754137">
+                <a:moveTo>
+                  <a:pt x="0" y="75414"/>
+                </a:moveTo>
+                <a:cubicBezTo>
+                  <a:pt x="0" y="33764"/>
+                  <a:pt x="33764" y="0"/>
+                  <a:pt x="75414" y="0"/>
+                </a:cubicBezTo>
+                <a:lnTo>
+                  <a:pt x="6641654" y="0"/>
+                </a:lnTo>
+                <a:cubicBezTo>
+                  <a:pt x="6683304" y="0"/>
+                  <a:pt x="6717068" y="33764"/>
+                  <a:pt x="6717068" y="75414"/>
+                </a:cubicBezTo>
+                <a:lnTo>
+                  <a:pt x="6717068" y="678723"/>
+                </a:lnTo>
+                <a:cubicBezTo>
+                  <a:pt x="6717068" y="720373"/>
+                  <a:pt x="6683304" y="754137"/>
+                  <a:pt x="6641654" y="754137"/>
+                </a:cubicBezTo>
+                <a:lnTo>
+                  <a:pt x="75414" y="754137"/>
+                </a:lnTo>
+                <a:cubicBezTo>
+                  <a:pt x="33764" y="754137"/>
+                  <a:pt x="0" y="720373"/>
+                  <a:pt x="0" y="678723"/>
+                </a:cubicBezTo>
+                <a:lnTo>
+                  <a:pt x="0" y="75414"/>
+                </a:lnTo>
+                <a:close/>
+              </a:path>
+            </a:pathLst>
+          </a:custGeom>
+        </p:spPr>
+        <p:style>
+          <a:lnRef idx="0">
+            <a:schemeClr val="lt1">
+              <a:hueOff val="0"/>
+              <a:satOff val="0"/>
+              <a:lumOff val="0"/>
+              <a:alphaOff val="0"/>
+            </a:schemeClr>
+          </a:lnRef>
+          <a:fillRef idx="3">
+            <a:schemeClr val="accent1">
+              <a:hueOff val="0"/>
+              <a:satOff val="0"/>
+              <a:lumOff val="0"/>
+              <a:alphaOff val="0"/>
+            </a:schemeClr>
+          </a:fillRef>
+          <a:effectRef idx="2">
+            <a:schemeClr val="accent1">
+              <a:hueOff val="0"/>
+              <a:satOff val="0"/>
+              <a:lumOff val="0"/>
+              <a:alphaOff val="0"/>
+            </a:schemeClr>
+          </a:effectRef>
+          <a:fontRef idx="minor">
+            <a:schemeClr val="lt1"/>
+          </a:fontRef>
+        </p:style>
+        <p:txBody>
+          <a:bodyPr spcFirstLastPara="0" vert="horz" wrap="square" lIns="90668" tIns="90668" rIns="90668" bIns="90668" numCol="1" spcCol="1270" anchor="ctr" anchorCtr="0">
+            <a:noAutofit/>
+          </a:bodyPr>
+          <a:lstStyle/>
+          <a:p>
+            <a:pPr marL="0" lvl="0" indent="0" algn="ctr" defTabSz="800100">
+              <a:lnSpc>
+                <a:spcPct val="90000"/>
+              </a:lnSpc>
+              <a:spcBef>
+                <a:spcPct val="0"/>
+              </a:spcBef>
+              <a:spcAft>
+                <a:spcPct val="35000"/>
+              </a:spcAft>
+              <a:buNone/>
+            </a:pPr>
+            <a:r>
+              <a:rPr lang="en-US" sz="1800" kern="1200" dirty="0">
+                <a:latin typeface="BankGothic Md BT" panose="020B0807020203060204" pitchFamily="34" charset="0"/>
+              </a:rPr>
+              <a:t>Start with data in lower dimension</a:t>
+            </a:r>
+            <a:endParaRPr lang="en-IN" sz="1800" kern="1200" dirty="0">
+              <a:latin typeface="BankGothic Md BT" panose="020B0807020203060204" pitchFamily="34" charset="0"/>
+            </a:endParaRPr>
+          </a:p>
+        </p:txBody>
+      </p:sp>
+      <p:sp>
+        <p:nvSpPr>
+          <p:cNvPr id="5" name="Freeform: Shape 4">
+            <a:extLst>
+              <a:ext uri="{FF2B5EF4-FFF2-40B4-BE49-F238E27FC236}">
+                <a16:creationId xmlns:a16="http://schemas.microsoft.com/office/drawing/2014/main" id="{30FD7542-7280-4A6B-BE8D-9AF01C533696}"/>
+              </a:ext>
+            </a:extLst>
+          </p:cNvPr>
+          <p:cNvSpPr/>
+          <p:nvPr/>
+        </p:nvSpPr>
+        <p:spPr>
+          <a:xfrm>
+            <a:off x="3580197" y="2474167"/>
+            <a:ext cx="339361" cy="282801"/>
+          </a:xfrm>
+          <a:custGeom>
+            <a:avLst/>
+            <a:gdLst>
+              <a:gd name="connsiteX0" fmla="*/ 0 w 282801"/>
+              <a:gd name="connsiteY0" fmla="*/ 67872 h 339361"/>
+              <a:gd name="connsiteX1" fmla="*/ 141401 w 282801"/>
+              <a:gd name="connsiteY1" fmla="*/ 67872 h 339361"/>
+              <a:gd name="connsiteX2" fmla="*/ 141401 w 282801"/>
+              <a:gd name="connsiteY2" fmla="*/ 0 h 339361"/>
+              <a:gd name="connsiteX3" fmla="*/ 282801 w 282801"/>
+              <a:gd name="connsiteY3" fmla="*/ 169681 h 339361"/>
+              <a:gd name="connsiteX4" fmla="*/ 141401 w 282801"/>
+              <a:gd name="connsiteY4" fmla="*/ 339361 h 339361"/>
+              <a:gd name="connsiteX5" fmla="*/ 141401 w 282801"/>
+              <a:gd name="connsiteY5" fmla="*/ 271489 h 339361"/>
+              <a:gd name="connsiteX6" fmla="*/ 0 w 282801"/>
+              <a:gd name="connsiteY6" fmla="*/ 271489 h 339361"/>
+              <a:gd name="connsiteX7" fmla="*/ 0 w 282801"/>
+              <a:gd name="connsiteY7" fmla="*/ 67872 h 339361"/>
+            </a:gdLst>
+            <a:ahLst/>
+            <a:cxnLst>
+              <a:cxn ang="0">
+                <a:pos x="connsiteX0" y="connsiteY0"/>
+              </a:cxn>
+              <a:cxn ang="0">
+                <a:pos x="connsiteX1" y="connsiteY1"/>
+              </a:cxn>
+              <a:cxn ang="0">
+                <a:pos x="connsiteX2" y="connsiteY2"/>
+              </a:cxn>
+              <a:cxn ang="0">
+                <a:pos x="connsiteX3" y="connsiteY3"/>
+              </a:cxn>
+              <a:cxn ang="0">
+                <a:pos x="connsiteX4" y="connsiteY4"/>
+              </a:cxn>
+              <a:cxn ang="0">
+                <a:pos x="connsiteX5" y="connsiteY5"/>
+              </a:cxn>
+              <a:cxn ang="0">
+                <a:pos x="connsiteX6" y="connsiteY6"/>
+              </a:cxn>
+              <a:cxn ang="0">
+                <a:pos x="connsiteX7" y="connsiteY7"/>
+              </a:cxn>
+            </a:cxnLst>
+            <a:rect l="l" t="t" r="r" b="b"/>
+            <a:pathLst>
+              <a:path w="282801" h="339361">
+                <a:moveTo>
+                  <a:pt x="226241" y="0"/>
+                </a:moveTo>
+                <a:lnTo>
+                  <a:pt x="226241" y="169681"/>
+                </a:lnTo>
+                <a:lnTo>
+                  <a:pt x="282801" y="169681"/>
+                </a:lnTo>
+                <a:lnTo>
+                  <a:pt x="141400" y="339361"/>
+                </a:lnTo>
+                <a:lnTo>
+                  <a:pt x="0" y="169681"/>
+                </a:lnTo>
+                <a:lnTo>
+                  <a:pt x="56560" y="169681"/>
+                </a:lnTo>
+                <a:lnTo>
+                  <a:pt x="56560" y="0"/>
+                </a:lnTo>
+                <a:lnTo>
+                  <a:pt x="226241" y="0"/>
+                </a:lnTo>
+                <a:close/>
+              </a:path>
+            </a:pathLst>
+          </a:custGeom>
+        </p:spPr>
+        <p:style>
+          <a:lnRef idx="0">
+            <a:schemeClr val="accent1">
+              <a:tint val="60000"/>
+              <a:hueOff val="0"/>
+              <a:satOff val="0"/>
+              <a:lumOff val="0"/>
+              <a:alphaOff val="0"/>
+            </a:schemeClr>
+          </a:lnRef>
+          <a:fillRef idx="3">
+            <a:schemeClr val="accent1">
+              <a:tint val="60000"/>
+              <a:hueOff val="0"/>
+              <a:satOff val="0"/>
+              <a:lumOff val="0"/>
+              <a:alphaOff val="0"/>
+            </a:schemeClr>
+          </a:fillRef>
+          <a:effectRef idx="2">
+            <a:schemeClr val="accent1">
+              <a:tint val="60000"/>
+              <a:hueOff val="0"/>
+              <a:satOff val="0"/>
+              <a:lumOff val="0"/>
+              <a:alphaOff val="0"/>
+            </a:schemeClr>
+          </a:effectRef>
+          <a:fontRef idx="minor">
+            <a:schemeClr val="lt1"/>
+          </a:fontRef>
+        </p:style>
+        <p:txBody>
+          <a:bodyPr spcFirstLastPara="0" vert="horz" wrap="square" lIns="67872" tIns="0" rIns="67872" bIns="84840" numCol="1" spcCol="1270" anchor="ctr" anchorCtr="0">
+            <a:noAutofit/>
+          </a:bodyPr>
+          <a:lstStyle/>
+          <a:p>
+            <a:pPr marL="0" lvl="0" indent="0" algn="ctr" defTabSz="666750">
+              <a:lnSpc>
+                <a:spcPct val="90000"/>
+              </a:lnSpc>
+              <a:spcBef>
+                <a:spcPct val="0"/>
+              </a:spcBef>
+              <a:spcAft>
+                <a:spcPct val="35000"/>
+              </a:spcAft>
+              <a:buNone/>
+            </a:pPr>
+            <a:endParaRPr lang="en-IN" sz="1500" kern="1200"/>
+          </a:p>
+        </p:txBody>
+      </p:sp>
+      <p:sp>
+        <p:nvSpPr>
+          <p:cNvPr id="8" name="Freeform: Shape 7">
+            <a:extLst>
+              <a:ext uri="{FF2B5EF4-FFF2-40B4-BE49-F238E27FC236}">
+                <a16:creationId xmlns:a16="http://schemas.microsoft.com/office/drawing/2014/main" id="{434DDE31-E181-43F6-BD3D-2EE1296983D1}"/>
+              </a:ext>
+            </a:extLst>
+          </p:cNvPr>
+          <p:cNvSpPr/>
+          <p:nvPr/>
+        </p:nvSpPr>
+        <p:spPr>
+          <a:xfrm>
+            <a:off x="391344" y="2804102"/>
+            <a:ext cx="6717068" cy="754137"/>
+          </a:xfrm>
+          <a:custGeom>
+            <a:avLst/>
+            <a:gdLst>
+              <a:gd name="connsiteX0" fmla="*/ 0 w 6717068"/>
+              <a:gd name="connsiteY0" fmla="*/ 75414 h 754137"/>
+              <a:gd name="connsiteX1" fmla="*/ 75414 w 6717068"/>
+              <a:gd name="connsiteY1" fmla="*/ 0 h 754137"/>
+              <a:gd name="connsiteX2" fmla="*/ 6641654 w 6717068"/>
+              <a:gd name="connsiteY2" fmla="*/ 0 h 754137"/>
+              <a:gd name="connsiteX3" fmla="*/ 6717068 w 6717068"/>
+              <a:gd name="connsiteY3" fmla="*/ 75414 h 754137"/>
+              <a:gd name="connsiteX4" fmla="*/ 6717068 w 6717068"/>
+              <a:gd name="connsiteY4" fmla="*/ 678723 h 754137"/>
+              <a:gd name="connsiteX5" fmla="*/ 6641654 w 6717068"/>
+              <a:gd name="connsiteY5" fmla="*/ 754137 h 754137"/>
+              <a:gd name="connsiteX6" fmla="*/ 75414 w 6717068"/>
+              <a:gd name="connsiteY6" fmla="*/ 754137 h 754137"/>
+              <a:gd name="connsiteX7" fmla="*/ 0 w 6717068"/>
+              <a:gd name="connsiteY7" fmla="*/ 678723 h 754137"/>
+              <a:gd name="connsiteX8" fmla="*/ 0 w 6717068"/>
+              <a:gd name="connsiteY8" fmla="*/ 75414 h 754137"/>
+            </a:gdLst>
+            <a:ahLst/>
+            <a:cxnLst>
+              <a:cxn ang="0">
+                <a:pos x="connsiteX0" y="connsiteY0"/>
+              </a:cxn>
+              <a:cxn ang="0">
+                <a:pos x="connsiteX1" y="connsiteY1"/>
+              </a:cxn>
+              <a:cxn ang="0">
+                <a:pos x="connsiteX2" y="connsiteY2"/>
+              </a:cxn>
+              <a:cxn ang="0">
+                <a:pos x="connsiteX3" y="connsiteY3"/>
+              </a:cxn>
+              <a:cxn ang="0">
+                <a:pos x="connsiteX4" y="connsiteY4"/>
+              </a:cxn>
+              <a:cxn ang="0">
+                <a:pos x="connsiteX5" y="connsiteY5"/>
+              </a:cxn>
+              <a:cxn ang="0">
+                <a:pos x="connsiteX6" y="connsiteY6"/>
+              </a:cxn>
+              <a:cxn ang="0">
+                <a:pos x="connsiteX7" y="connsiteY7"/>
+              </a:cxn>
+              <a:cxn ang="0">
+                <a:pos x="connsiteX8" y="connsiteY8"/>
+              </a:cxn>
+            </a:cxnLst>
+            <a:rect l="l" t="t" r="r" b="b"/>
+            <a:pathLst>
+              <a:path w="6717068" h="754137">
+                <a:moveTo>
+                  <a:pt x="0" y="75414"/>
+                </a:moveTo>
+                <a:cubicBezTo>
+                  <a:pt x="0" y="33764"/>
+                  <a:pt x="33764" y="0"/>
+                  <a:pt x="75414" y="0"/>
+                </a:cubicBezTo>
+                <a:lnTo>
+                  <a:pt x="6641654" y="0"/>
+                </a:lnTo>
+                <a:cubicBezTo>
+                  <a:pt x="6683304" y="0"/>
+                  <a:pt x="6717068" y="33764"/>
+                  <a:pt x="6717068" y="75414"/>
+                </a:cubicBezTo>
+                <a:lnTo>
+                  <a:pt x="6717068" y="678723"/>
+                </a:lnTo>
+                <a:cubicBezTo>
+                  <a:pt x="6717068" y="720373"/>
+                  <a:pt x="6683304" y="754137"/>
+                  <a:pt x="6641654" y="754137"/>
+                </a:cubicBezTo>
+                <a:lnTo>
+                  <a:pt x="75414" y="754137"/>
+                </a:lnTo>
+                <a:cubicBezTo>
+                  <a:pt x="33764" y="754137"/>
+                  <a:pt x="0" y="720373"/>
+                  <a:pt x="0" y="678723"/>
+                </a:cubicBezTo>
+                <a:lnTo>
+                  <a:pt x="0" y="75414"/>
+                </a:lnTo>
+                <a:close/>
+              </a:path>
+            </a:pathLst>
+          </a:custGeom>
+        </p:spPr>
+        <p:style>
+          <a:lnRef idx="0">
+            <a:schemeClr val="lt1">
+              <a:hueOff val="0"/>
+              <a:satOff val="0"/>
+              <a:lumOff val="0"/>
+              <a:alphaOff val="0"/>
+            </a:schemeClr>
+          </a:lnRef>
+          <a:fillRef idx="3">
+            <a:schemeClr val="accent1">
+              <a:hueOff val="0"/>
+              <a:satOff val="0"/>
+              <a:lumOff val="0"/>
+              <a:alphaOff val="0"/>
+            </a:schemeClr>
+          </a:fillRef>
+          <a:effectRef idx="2">
+            <a:schemeClr val="accent1">
+              <a:hueOff val="0"/>
+              <a:satOff val="0"/>
+              <a:lumOff val="0"/>
+              <a:alphaOff val="0"/>
+            </a:schemeClr>
+          </a:effectRef>
+          <a:fontRef idx="minor">
+            <a:schemeClr val="lt1"/>
+          </a:fontRef>
+        </p:style>
+        <p:txBody>
+          <a:bodyPr spcFirstLastPara="0" vert="horz" wrap="square" lIns="90668" tIns="90668" rIns="90668" bIns="90668" numCol="1" spcCol="1270" anchor="ctr" anchorCtr="0">
+            <a:noAutofit/>
+          </a:bodyPr>
+          <a:lstStyle/>
+          <a:p>
+            <a:pPr marL="0" lvl="0" indent="0" algn="ctr" defTabSz="800100">
+              <a:lnSpc>
+                <a:spcPct val="90000"/>
+              </a:lnSpc>
+              <a:spcBef>
+                <a:spcPct val="0"/>
+              </a:spcBef>
+              <a:spcAft>
+                <a:spcPct val="35000"/>
+              </a:spcAft>
+              <a:buNone/>
+            </a:pPr>
+            <a:r>
+              <a:rPr lang="en-US" sz="1800" kern="1200" dirty="0">
+                <a:latin typeface="BankGothic Md BT" panose="020B0807020203060204" pitchFamily="34" charset="0"/>
+              </a:rPr>
+              <a:t>Move the data to higher dimension</a:t>
+            </a:r>
+            <a:endParaRPr lang="en-IN" sz="1800" kern="1200" dirty="0">
+              <a:latin typeface="BankGothic Md BT" panose="020B0807020203060204" pitchFamily="34" charset="0"/>
+            </a:endParaRPr>
+          </a:p>
+        </p:txBody>
+      </p:sp>
+      <p:sp>
+        <p:nvSpPr>
+          <p:cNvPr id="9" name="Freeform: Shape 8">
+            <a:extLst>
+              <a:ext uri="{FF2B5EF4-FFF2-40B4-BE49-F238E27FC236}">
+                <a16:creationId xmlns:a16="http://schemas.microsoft.com/office/drawing/2014/main" id="{288BC0A0-A9F1-49E1-BD9D-DAAAF6AAB4F4}"/>
+              </a:ext>
+            </a:extLst>
+          </p:cNvPr>
+          <p:cNvSpPr/>
+          <p:nvPr/>
+        </p:nvSpPr>
+        <p:spPr>
+          <a:xfrm>
+            <a:off x="3580197" y="3605373"/>
+            <a:ext cx="339361" cy="282801"/>
+          </a:xfrm>
+          <a:custGeom>
+            <a:avLst/>
+            <a:gdLst>
+              <a:gd name="connsiteX0" fmla="*/ 0 w 282801"/>
+              <a:gd name="connsiteY0" fmla="*/ 67872 h 339361"/>
+              <a:gd name="connsiteX1" fmla="*/ 141401 w 282801"/>
+              <a:gd name="connsiteY1" fmla="*/ 67872 h 339361"/>
+              <a:gd name="connsiteX2" fmla="*/ 141401 w 282801"/>
+              <a:gd name="connsiteY2" fmla="*/ 0 h 339361"/>
+              <a:gd name="connsiteX3" fmla="*/ 282801 w 282801"/>
+              <a:gd name="connsiteY3" fmla="*/ 169681 h 339361"/>
+              <a:gd name="connsiteX4" fmla="*/ 141401 w 282801"/>
+              <a:gd name="connsiteY4" fmla="*/ 339361 h 339361"/>
+              <a:gd name="connsiteX5" fmla="*/ 141401 w 282801"/>
+              <a:gd name="connsiteY5" fmla="*/ 271489 h 339361"/>
+              <a:gd name="connsiteX6" fmla="*/ 0 w 282801"/>
+              <a:gd name="connsiteY6" fmla="*/ 271489 h 339361"/>
+              <a:gd name="connsiteX7" fmla="*/ 0 w 282801"/>
+              <a:gd name="connsiteY7" fmla="*/ 67872 h 339361"/>
+            </a:gdLst>
+            <a:ahLst/>
+            <a:cxnLst>
+              <a:cxn ang="0">
+                <a:pos x="connsiteX0" y="connsiteY0"/>
+              </a:cxn>
+              <a:cxn ang="0">
+                <a:pos x="connsiteX1" y="connsiteY1"/>
+              </a:cxn>
+              <a:cxn ang="0">
+                <a:pos x="connsiteX2" y="connsiteY2"/>
+              </a:cxn>
+              <a:cxn ang="0">
+                <a:pos x="connsiteX3" y="connsiteY3"/>
+              </a:cxn>
+              <a:cxn ang="0">
+                <a:pos x="connsiteX4" y="connsiteY4"/>
+              </a:cxn>
+              <a:cxn ang="0">
+                <a:pos x="connsiteX5" y="connsiteY5"/>
+              </a:cxn>
+              <a:cxn ang="0">
+                <a:pos x="connsiteX6" y="connsiteY6"/>
+              </a:cxn>
+              <a:cxn ang="0">
+                <a:pos x="connsiteX7" y="connsiteY7"/>
+              </a:cxn>
+            </a:cxnLst>
+            <a:rect l="l" t="t" r="r" b="b"/>
+            <a:pathLst>
+              <a:path w="282801" h="339361">
+                <a:moveTo>
+                  <a:pt x="226241" y="0"/>
+                </a:moveTo>
+                <a:lnTo>
+                  <a:pt x="226241" y="169681"/>
+                </a:lnTo>
+                <a:lnTo>
+                  <a:pt x="282801" y="169681"/>
+                </a:lnTo>
+                <a:lnTo>
+                  <a:pt x="141400" y="339361"/>
+                </a:lnTo>
+                <a:lnTo>
+                  <a:pt x="0" y="169681"/>
+                </a:lnTo>
+                <a:lnTo>
+                  <a:pt x="56560" y="169681"/>
+                </a:lnTo>
+                <a:lnTo>
+                  <a:pt x="56560" y="0"/>
+                </a:lnTo>
+                <a:lnTo>
+                  <a:pt x="226241" y="0"/>
+                </a:lnTo>
+                <a:close/>
+              </a:path>
+            </a:pathLst>
+          </a:custGeom>
+        </p:spPr>
+        <p:style>
+          <a:lnRef idx="0">
+            <a:schemeClr val="accent1">
+              <a:tint val="60000"/>
+              <a:hueOff val="0"/>
+              <a:satOff val="0"/>
+              <a:lumOff val="0"/>
+              <a:alphaOff val="0"/>
+            </a:schemeClr>
+          </a:lnRef>
+          <a:fillRef idx="3">
+            <a:schemeClr val="accent1">
+              <a:tint val="60000"/>
+              <a:hueOff val="0"/>
+              <a:satOff val="0"/>
+              <a:lumOff val="0"/>
+              <a:alphaOff val="0"/>
+            </a:schemeClr>
+          </a:fillRef>
+          <a:effectRef idx="2">
+            <a:schemeClr val="accent1">
+              <a:tint val="60000"/>
+              <a:hueOff val="0"/>
+              <a:satOff val="0"/>
+              <a:lumOff val="0"/>
+              <a:alphaOff val="0"/>
+            </a:schemeClr>
+          </a:effectRef>
+          <a:fontRef idx="minor">
+            <a:schemeClr val="lt1"/>
+          </a:fontRef>
+        </p:style>
+        <p:txBody>
+          <a:bodyPr spcFirstLastPara="0" vert="horz" wrap="square" lIns="67872" tIns="0" rIns="67872" bIns="84840" numCol="1" spcCol="1270" anchor="ctr" anchorCtr="0">
+            <a:noAutofit/>
+          </a:bodyPr>
+          <a:lstStyle/>
+          <a:p>
+            <a:pPr marL="0" lvl="0" indent="0" algn="ctr" defTabSz="666750">
+              <a:lnSpc>
+                <a:spcPct val="90000"/>
+              </a:lnSpc>
+              <a:spcBef>
+                <a:spcPct val="0"/>
+              </a:spcBef>
+              <a:spcAft>
+                <a:spcPct val="35000"/>
+              </a:spcAft>
+              <a:buNone/>
+            </a:pPr>
+            <a:endParaRPr lang="en-IN" sz="1500" kern="1200"/>
+          </a:p>
+        </p:txBody>
+      </p:sp>
+      <p:sp>
+        <p:nvSpPr>
+          <p:cNvPr id="10" name="Freeform: Shape 9">
+            <a:extLst>
+              <a:ext uri="{FF2B5EF4-FFF2-40B4-BE49-F238E27FC236}">
+                <a16:creationId xmlns:a16="http://schemas.microsoft.com/office/drawing/2014/main" id="{F4AF415F-F793-44FB-92C4-FEF30AF13D5B}"/>
+              </a:ext>
+            </a:extLst>
+          </p:cNvPr>
+          <p:cNvSpPr/>
+          <p:nvPr/>
+        </p:nvSpPr>
+        <p:spPr>
+          <a:xfrm>
+            <a:off x="391344" y="3935308"/>
+            <a:ext cx="6717068" cy="754137"/>
+          </a:xfrm>
+          <a:custGeom>
+            <a:avLst/>
+            <a:gdLst>
+              <a:gd name="connsiteX0" fmla="*/ 0 w 6717068"/>
+              <a:gd name="connsiteY0" fmla="*/ 75414 h 754137"/>
+              <a:gd name="connsiteX1" fmla="*/ 75414 w 6717068"/>
+              <a:gd name="connsiteY1" fmla="*/ 0 h 754137"/>
+              <a:gd name="connsiteX2" fmla="*/ 6641654 w 6717068"/>
+              <a:gd name="connsiteY2" fmla="*/ 0 h 754137"/>
+              <a:gd name="connsiteX3" fmla="*/ 6717068 w 6717068"/>
+              <a:gd name="connsiteY3" fmla="*/ 75414 h 754137"/>
+              <a:gd name="connsiteX4" fmla="*/ 6717068 w 6717068"/>
+              <a:gd name="connsiteY4" fmla="*/ 678723 h 754137"/>
+              <a:gd name="connsiteX5" fmla="*/ 6641654 w 6717068"/>
+              <a:gd name="connsiteY5" fmla="*/ 754137 h 754137"/>
+              <a:gd name="connsiteX6" fmla="*/ 75414 w 6717068"/>
+              <a:gd name="connsiteY6" fmla="*/ 754137 h 754137"/>
+              <a:gd name="connsiteX7" fmla="*/ 0 w 6717068"/>
+              <a:gd name="connsiteY7" fmla="*/ 678723 h 754137"/>
+              <a:gd name="connsiteX8" fmla="*/ 0 w 6717068"/>
+              <a:gd name="connsiteY8" fmla="*/ 75414 h 754137"/>
+            </a:gdLst>
+            <a:ahLst/>
+            <a:cxnLst>
+              <a:cxn ang="0">
+                <a:pos x="connsiteX0" y="connsiteY0"/>
+              </a:cxn>
+              <a:cxn ang="0">
+                <a:pos x="connsiteX1" y="connsiteY1"/>
+              </a:cxn>
+              <a:cxn ang="0">
+                <a:pos x="connsiteX2" y="connsiteY2"/>
+              </a:cxn>
+              <a:cxn ang="0">
+                <a:pos x="connsiteX3" y="connsiteY3"/>
+              </a:cxn>
+              <a:cxn ang="0">
+                <a:pos x="connsiteX4" y="connsiteY4"/>
+              </a:cxn>
+              <a:cxn ang="0">
+                <a:pos x="connsiteX5" y="connsiteY5"/>
+              </a:cxn>
+              <a:cxn ang="0">
+                <a:pos x="connsiteX6" y="connsiteY6"/>
+              </a:cxn>
+              <a:cxn ang="0">
+                <a:pos x="connsiteX7" y="connsiteY7"/>
+              </a:cxn>
+              <a:cxn ang="0">
+                <a:pos x="connsiteX8" y="connsiteY8"/>
+              </a:cxn>
+            </a:cxnLst>
+            <a:rect l="l" t="t" r="r" b="b"/>
+            <a:pathLst>
+              <a:path w="6717068" h="754137">
+                <a:moveTo>
+                  <a:pt x="0" y="75414"/>
+                </a:moveTo>
+                <a:cubicBezTo>
+                  <a:pt x="0" y="33764"/>
+                  <a:pt x="33764" y="0"/>
+                  <a:pt x="75414" y="0"/>
+                </a:cubicBezTo>
+                <a:lnTo>
+                  <a:pt x="6641654" y="0"/>
+                </a:lnTo>
+                <a:cubicBezTo>
+                  <a:pt x="6683304" y="0"/>
+                  <a:pt x="6717068" y="33764"/>
+                  <a:pt x="6717068" y="75414"/>
+                </a:cubicBezTo>
+                <a:lnTo>
+                  <a:pt x="6717068" y="678723"/>
+                </a:lnTo>
+                <a:cubicBezTo>
+                  <a:pt x="6717068" y="720373"/>
+                  <a:pt x="6683304" y="754137"/>
+                  <a:pt x="6641654" y="754137"/>
+                </a:cubicBezTo>
+                <a:lnTo>
+                  <a:pt x="75414" y="754137"/>
+                </a:lnTo>
+                <a:cubicBezTo>
+                  <a:pt x="33764" y="754137"/>
+                  <a:pt x="0" y="720373"/>
+                  <a:pt x="0" y="678723"/>
+                </a:cubicBezTo>
+                <a:lnTo>
+                  <a:pt x="0" y="75414"/>
+                </a:lnTo>
+                <a:close/>
+              </a:path>
+            </a:pathLst>
+          </a:custGeom>
+        </p:spPr>
+        <p:style>
+          <a:lnRef idx="0">
+            <a:schemeClr val="lt1">
+              <a:hueOff val="0"/>
+              <a:satOff val="0"/>
+              <a:lumOff val="0"/>
+              <a:alphaOff val="0"/>
+            </a:schemeClr>
+          </a:lnRef>
+          <a:fillRef idx="3">
+            <a:schemeClr val="accent1">
+              <a:hueOff val="0"/>
+              <a:satOff val="0"/>
+              <a:lumOff val="0"/>
+              <a:alphaOff val="0"/>
+            </a:schemeClr>
+          </a:fillRef>
+          <a:effectRef idx="2">
+            <a:schemeClr val="accent1">
+              <a:hueOff val="0"/>
+              <a:satOff val="0"/>
+              <a:lumOff val="0"/>
+              <a:alphaOff val="0"/>
+            </a:schemeClr>
+          </a:effectRef>
+          <a:fontRef idx="minor">
+            <a:schemeClr val="lt1"/>
+          </a:fontRef>
+        </p:style>
+        <p:txBody>
+          <a:bodyPr spcFirstLastPara="0" vert="horz" wrap="square" lIns="90668" tIns="90668" rIns="90668" bIns="90668" numCol="1" spcCol="1270" anchor="ctr" anchorCtr="0">
+            <a:noAutofit/>
+          </a:bodyPr>
+          <a:lstStyle/>
+          <a:p>
+            <a:pPr marL="0" lvl="0" indent="0" algn="ctr" defTabSz="800100">
+              <a:lnSpc>
+                <a:spcPct val="90000"/>
+              </a:lnSpc>
+              <a:spcBef>
+                <a:spcPct val="0"/>
+              </a:spcBef>
+              <a:spcAft>
+                <a:spcPct val="35000"/>
+              </a:spcAft>
+              <a:buNone/>
+            </a:pPr>
+            <a:r>
+              <a:rPr lang="en-US" sz="1800" kern="1200" dirty="0">
+                <a:latin typeface="BankGothic Md BT" panose="020B0807020203060204" pitchFamily="34" charset="0"/>
+              </a:rPr>
+              <a:t>Find classifier to separate the higher dimension data</a:t>
+            </a:r>
+            <a:endParaRPr lang="en-IN" sz="1800" kern="1200" dirty="0">
+              <a:latin typeface="BankGothic Md BT" panose="020B0807020203060204" pitchFamily="34" charset="0"/>
+            </a:endParaRPr>
+          </a:p>
+        </p:txBody>
+      </p:sp>
     </p:spTree>
     <p:extLst>
       <p:ext uri="{BB962C8B-B14F-4D97-AF65-F5344CB8AC3E}">
@@ -16642,6 +14785,502 @@
       </p:transition>
     </mc:Fallback>
   </mc:AlternateContent>
+  <p:timing>
+    <p:tnLst>
+      <p:par>
+        <p:cTn id="1" dur="indefinite" restart="never" nodeType="tmRoot">
+          <p:childTnLst>
+            <p:seq concurrent="1" nextAc="seek">
+              <p:cTn id="2" dur="indefinite" nodeType="mainSeq">
+                <p:childTnLst>
+                  <p:par>
+                    <p:cTn id="3" fill="hold">
+                      <p:stCondLst>
+                        <p:cond delay="indefinite"/>
+                      </p:stCondLst>
+                      <p:childTnLst>
+                        <p:par>
+                          <p:cTn id="4" fill="hold">
+                            <p:stCondLst>
+                              <p:cond delay="0"/>
+                            </p:stCondLst>
+                            <p:childTnLst>
+                              <p:par>
+                                <p:cTn id="5" presetID="47" presetClass="entr" presetSubtype="0" fill="hold" grpId="0" nodeType="clickEffect">
+                                  <p:stCondLst>
+                                    <p:cond delay="0"/>
+                                  </p:stCondLst>
+                                  <p:childTnLst>
+                                    <p:set>
+                                      <p:cBhvr>
+                                        <p:cTn id="6" dur="1" fill="hold">
+                                          <p:stCondLst>
+                                            <p:cond delay="0"/>
+                                          </p:stCondLst>
+                                        </p:cTn>
+                                        <p:tgtEl>
+                                          <p:spTgt spid="4"/>
+                                        </p:tgtEl>
+                                        <p:attrNameLst>
+                                          <p:attrName>style.visibility</p:attrName>
+                                        </p:attrNameLst>
+                                      </p:cBhvr>
+                                      <p:to>
+                                        <p:strVal val="visible"/>
+                                      </p:to>
+                                    </p:set>
+                                    <p:animEffect transition="in" filter="fade">
+                                      <p:cBhvr>
+                                        <p:cTn id="7" dur="1000"/>
+                                        <p:tgtEl>
+                                          <p:spTgt spid="4"/>
+                                        </p:tgtEl>
+                                      </p:cBhvr>
+                                    </p:animEffect>
+                                    <p:anim calcmode="lin" valueType="num">
+                                      <p:cBhvr>
+                                        <p:cTn id="8" dur="1000" fill="hold"/>
+                                        <p:tgtEl>
+                                          <p:spTgt spid="4"/>
+                                        </p:tgtEl>
+                                        <p:attrNameLst>
+                                          <p:attrName>ppt_x</p:attrName>
+                                        </p:attrNameLst>
+                                      </p:cBhvr>
+                                      <p:tavLst>
+                                        <p:tav tm="0">
+                                          <p:val>
+                                            <p:strVal val="#ppt_x"/>
+                                          </p:val>
+                                        </p:tav>
+                                        <p:tav tm="100000">
+                                          <p:val>
+                                            <p:strVal val="#ppt_x"/>
+                                          </p:val>
+                                        </p:tav>
+                                      </p:tavLst>
+                                    </p:anim>
+                                    <p:anim calcmode="lin" valueType="num">
+                                      <p:cBhvr>
+                                        <p:cTn id="9" dur="1000" fill="hold"/>
+                                        <p:tgtEl>
+                                          <p:spTgt spid="4"/>
+                                        </p:tgtEl>
+                                        <p:attrNameLst>
+                                          <p:attrName>ppt_y</p:attrName>
+                                        </p:attrNameLst>
+                                      </p:cBhvr>
+                                      <p:tavLst>
+                                        <p:tav tm="0">
+                                          <p:val>
+                                            <p:strVal val="#ppt_y-.1"/>
+                                          </p:val>
+                                        </p:tav>
+                                        <p:tav tm="100000">
+                                          <p:val>
+                                            <p:strVal val="#ppt_y"/>
+                                          </p:val>
+                                        </p:tav>
+                                      </p:tavLst>
+                                    </p:anim>
+                                  </p:childTnLst>
+                                </p:cTn>
+                              </p:par>
+                              <p:par>
+                                <p:cTn id="10" presetID="47" presetClass="entr" presetSubtype="0" fill="hold" grpId="0" nodeType="withEffect">
+                                  <p:stCondLst>
+                                    <p:cond delay="0"/>
+                                  </p:stCondLst>
+                                  <p:childTnLst>
+                                    <p:set>
+                                      <p:cBhvr>
+                                        <p:cTn id="11" dur="1" fill="hold">
+                                          <p:stCondLst>
+                                            <p:cond delay="0"/>
+                                          </p:stCondLst>
+                                        </p:cTn>
+                                        <p:tgtEl>
+                                          <p:spTgt spid="5"/>
+                                        </p:tgtEl>
+                                        <p:attrNameLst>
+                                          <p:attrName>style.visibility</p:attrName>
+                                        </p:attrNameLst>
+                                      </p:cBhvr>
+                                      <p:to>
+                                        <p:strVal val="visible"/>
+                                      </p:to>
+                                    </p:set>
+                                    <p:animEffect transition="in" filter="fade">
+                                      <p:cBhvr>
+                                        <p:cTn id="12" dur="1000"/>
+                                        <p:tgtEl>
+                                          <p:spTgt spid="5"/>
+                                        </p:tgtEl>
+                                      </p:cBhvr>
+                                    </p:animEffect>
+                                    <p:anim calcmode="lin" valueType="num">
+                                      <p:cBhvr>
+                                        <p:cTn id="13" dur="1000" fill="hold"/>
+                                        <p:tgtEl>
+                                          <p:spTgt spid="5"/>
+                                        </p:tgtEl>
+                                        <p:attrNameLst>
+                                          <p:attrName>ppt_x</p:attrName>
+                                        </p:attrNameLst>
+                                      </p:cBhvr>
+                                      <p:tavLst>
+                                        <p:tav tm="0">
+                                          <p:val>
+                                            <p:strVal val="#ppt_x"/>
+                                          </p:val>
+                                        </p:tav>
+                                        <p:tav tm="100000">
+                                          <p:val>
+                                            <p:strVal val="#ppt_x"/>
+                                          </p:val>
+                                        </p:tav>
+                                      </p:tavLst>
+                                    </p:anim>
+                                    <p:anim calcmode="lin" valueType="num">
+                                      <p:cBhvr>
+                                        <p:cTn id="14" dur="1000" fill="hold"/>
+                                        <p:tgtEl>
+                                          <p:spTgt spid="5"/>
+                                        </p:tgtEl>
+                                        <p:attrNameLst>
+                                          <p:attrName>ppt_y</p:attrName>
+                                        </p:attrNameLst>
+                                      </p:cBhvr>
+                                      <p:tavLst>
+                                        <p:tav tm="0">
+                                          <p:val>
+                                            <p:strVal val="#ppt_y-.1"/>
+                                          </p:val>
+                                        </p:tav>
+                                        <p:tav tm="100000">
+                                          <p:val>
+                                            <p:strVal val="#ppt_y"/>
+                                          </p:val>
+                                        </p:tav>
+                                      </p:tavLst>
+                                    </p:anim>
+                                  </p:childTnLst>
+                                </p:cTn>
+                              </p:par>
+                            </p:childTnLst>
+                          </p:cTn>
+                        </p:par>
+                      </p:childTnLst>
+                    </p:cTn>
+                  </p:par>
+                  <p:par>
+                    <p:cTn id="15" fill="hold">
+                      <p:stCondLst>
+                        <p:cond delay="indefinite"/>
+                      </p:stCondLst>
+                      <p:childTnLst>
+                        <p:par>
+                          <p:cTn id="16" fill="hold">
+                            <p:stCondLst>
+                              <p:cond delay="0"/>
+                            </p:stCondLst>
+                            <p:childTnLst>
+                              <p:par>
+                                <p:cTn id="17" presetID="47" presetClass="entr" presetSubtype="0" fill="hold" grpId="0" nodeType="clickEffect">
+                                  <p:stCondLst>
+                                    <p:cond delay="0"/>
+                                  </p:stCondLst>
+                                  <p:childTnLst>
+                                    <p:set>
+                                      <p:cBhvr>
+                                        <p:cTn id="18" dur="1" fill="hold">
+                                          <p:stCondLst>
+                                            <p:cond delay="0"/>
+                                          </p:stCondLst>
+                                        </p:cTn>
+                                        <p:tgtEl>
+                                          <p:spTgt spid="8"/>
+                                        </p:tgtEl>
+                                        <p:attrNameLst>
+                                          <p:attrName>style.visibility</p:attrName>
+                                        </p:attrNameLst>
+                                      </p:cBhvr>
+                                      <p:to>
+                                        <p:strVal val="visible"/>
+                                      </p:to>
+                                    </p:set>
+                                    <p:animEffect transition="in" filter="fade">
+                                      <p:cBhvr>
+                                        <p:cTn id="19" dur="1000"/>
+                                        <p:tgtEl>
+                                          <p:spTgt spid="8"/>
+                                        </p:tgtEl>
+                                      </p:cBhvr>
+                                    </p:animEffect>
+                                    <p:anim calcmode="lin" valueType="num">
+                                      <p:cBhvr>
+                                        <p:cTn id="20" dur="1000" fill="hold"/>
+                                        <p:tgtEl>
+                                          <p:spTgt spid="8"/>
+                                        </p:tgtEl>
+                                        <p:attrNameLst>
+                                          <p:attrName>ppt_x</p:attrName>
+                                        </p:attrNameLst>
+                                      </p:cBhvr>
+                                      <p:tavLst>
+                                        <p:tav tm="0">
+                                          <p:val>
+                                            <p:strVal val="#ppt_x"/>
+                                          </p:val>
+                                        </p:tav>
+                                        <p:tav tm="100000">
+                                          <p:val>
+                                            <p:strVal val="#ppt_x"/>
+                                          </p:val>
+                                        </p:tav>
+                                      </p:tavLst>
+                                    </p:anim>
+                                    <p:anim calcmode="lin" valueType="num">
+                                      <p:cBhvr>
+                                        <p:cTn id="21" dur="1000" fill="hold"/>
+                                        <p:tgtEl>
+                                          <p:spTgt spid="8"/>
+                                        </p:tgtEl>
+                                        <p:attrNameLst>
+                                          <p:attrName>ppt_y</p:attrName>
+                                        </p:attrNameLst>
+                                      </p:cBhvr>
+                                      <p:tavLst>
+                                        <p:tav tm="0">
+                                          <p:val>
+                                            <p:strVal val="#ppt_y-.1"/>
+                                          </p:val>
+                                        </p:tav>
+                                        <p:tav tm="100000">
+                                          <p:val>
+                                            <p:strVal val="#ppt_y"/>
+                                          </p:val>
+                                        </p:tav>
+                                      </p:tavLst>
+                                    </p:anim>
+                                  </p:childTnLst>
+                                </p:cTn>
+                              </p:par>
+                              <p:par>
+                                <p:cTn id="22" presetID="47" presetClass="entr" presetSubtype="0" fill="hold" grpId="0" nodeType="withEffect">
+                                  <p:stCondLst>
+                                    <p:cond delay="0"/>
+                                  </p:stCondLst>
+                                  <p:childTnLst>
+                                    <p:set>
+                                      <p:cBhvr>
+                                        <p:cTn id="23" dur="1" fill="hold">
+                                          <p:stCondLst>
+                                            <p:cond delay="0"/>
+                                          </p:stCondLst>
+                                        </p:cTn>
+                                        <p:tgtEl>
+                                          <p:spTgt spid="9"/>
+                                        </p:tgtEl>
+                                        <p:attrNameLst>
+                                          <p:attrName>style.visibility</p:attrName>
+                                        </p:attrNameLst>
+                                      </p:cBhvr>
+                                      <p:to>
+                                        <p:strVal val="visible"/>
+                                      </p:to>
+                                    </p:set>
+                                    <p:animEffect transition="in" filter="fade">
+                                      <p:cBhvr>
+                                        <p:cTn id="24" dur="1000"/>
+                                        <p:tgtEl>
+                                          <p:spTgt spid="9"/>
+                                        </p:tgtEl>
+                                      </p:cBhvr>
+                                    </p:animEffect>
+                                    <p:anim calcmode="lin" valueType="num">
+                                      <p:cBhvr>
+                                        <p:cTn id="25" dur="1000" fill="hold"/>
+                                        <p:tgtEl>
+                                          <p:spTgt spid="9"/>
+                                        </p:tgtEl>
+                                        <p:attrNameLst>
+                                          <p:attrName>ppt_x</p:attrName>
+                                        </p:attrNameLst>
+                                      </p:cBhvr>
+                                      <p:tavLst>
+                                        <p:tav tm="0">
+                                          <p:val>
+                                            <p:strVal val="#ppt_x"/>
+                                          </p:val>
+                                        </p:tav>
+                                        <p:tav tm="100000">
+                                          <p:val>
+                                            <p:strVal val="#ppt_x"/>
+                                          </p:val>
+                                        </p:tav>
+                                      </p:tavLst>
+                                    </p:anim>
+                                    <p:anim calcmode="lin" valueType="num">
+                                      <p:cBhvr>
+                                        <p:cTn id="26" dur="1000" fill="hold"/>
+                                        <p:tgtEl>
+                                          <p:spTgt spid="9"/>
+                                        </p:tgtEl>
+                                        <p:attrNameLst>
+                                          <p:attrName>ppt_y</p:attrName>
+                                        </p:attrNameLst>
+                                      </p:cBhvr>
+                                      <p:tavLst>
+                                        <p:tav tm="0">
+                                          <p:val>
+                                            <p:strVal val="#ppt_y-.1"/>
+                                          </p:val>
+                                        </p:tav>
+                                        <p:tav tm="100000">
+                                          <p:val>
+                                            <p:strVal val="#ppt_y"/>
+                                          </p:val>
+                                        </p:tav>
+                                      </p:tavLst>
+                                    </p:anim>
+                                  </p:childTnLst>
+                                </p:cTn>
+                              </p:par>
+                            </p:childTnLst>
+                          </p:cTn>
+                        </p:par>
+                      </p:childTnLst>
+                    </p:cTn>
+                  </p:par>
+                  <p:par>
+                    <p:cTn id="27" fill="hold">
+                      <p:stCondLst>
+                        <p:cond delay="indefinite"/>
+                      </p:stCondLst>
+                      <p:childTnLst>
+                        <p:par>
+                          <p:cTn id="28" fill="hold">
+                            <p:stCondLst>
+                              <p:cond delay="0"/>
+                            </p:stCondLst>
+                            <p:childTnLst>
+                              <p:par>
+                                <p:cTn id="29" presetID="47" presetClass="entr" presetSubtype="0" fill="hold" grpId="0" nodeType="clickEffect">
+                                  <p:stCondLst>
+                                    <p:cond delay="0"/>
+                                  </p:stCondLst>
+                                  <p:childTnLst>
+                                    <p:set>
+                                      <p:cBhvr>
+                                        <p:cTn id="30" dur="1" fill="hold">
+                                          <p:stCondLst>
+                                            <p:cond delay="0"/>
+                                          </p:stCondLst>
+                                        </p:cTn>
+                                        <p:tgtEl>
+                                          <p:spTgt spid="10"/>
+                                        </p:tgtEl>
+                                        <p:attrNameLst>
+                                          <p:attrName>style.visibility</p:attrName>
+                                        </p:attrNameLst>
+                                      </p:cBhvr>
+                                      <p:to>
+                                        <p:strVal val="visible"/>
+                                      </p:to>
+                                    </p:set>
+                                    <p:animEffect transition="in" filter="fade">
+                                      <p:cBhvr>
+                                        <p:cTn id="31" dur="1000"/>
+                                        <p:tgtEl>
+                                          <p:spTgt spid="10"/>
+                                        </p:tgtEl>
+                                      </p:cBhvr>
+                                    </p:animEffect>
+                                    <p:anim calcmode="lin" valueType="num">
+                                      <p:cBhvr>
+                                        <p:cTn id="32" dur="1000" fill="hold"/>
+                                        <p:tgtEl>
+                                          <p:spTgt spid="10"/>
+                                        </p:tgtEl>
+                                        <p:attrNameLst>
+                                          <p:attrName>ppt_x</p:attrName>
+                                        </p:attrNameLst>
+                                      </p:cBhvr>
+                                      <p:tavLst>
+                                        <p:tav tm="0">
+                                          <p:val>
+                                            <p:strVal val="#ppt_x"/>
+                                          </p:val>
+                                        </p:tav>
+                                        <p:tav tm="100000">
+                                          <p:val>
+                                            <p:strVal val="#ppt_x"/>
+                                          </p:val>
+                                        </p:tav>
+                                      </p:tavLst>
+                                    </p:anim>
+                                    <p:anim calcmode="lin" valueType="num">
+                                      <p:cBhvr>
+                                        <p:cTn id="33" dur="1000" fill="hold"/>
+                                        <p:tgtEl>
+                                          <p:spTgt spid="10"/>
+                                        </p:tgtEl>
+                                        <p:attrNameLst>
+                                          <p:attrName>ppt_y</p:attrName>
+                                        </p:attrNameLst>
+                                      </p:cBhvr>
+                                      <p:tavLst>
+                                        <p:tav tm="0">
+                                          <p:val>
+                                            <p:strVal val="#ppt_y-.1"/>
+                                          </p:val>
+                                        </p:tav>
+                                        <p:tav tm="100000">
+                                          <p:val>
+                                            <p:strVal val="#ppt_y"/>
+                                          </p:val>
+                                        </p:tav>
+                                      </p:tavLst>
+                                    </p:anim>
+                                  </p:childTnLst>
+                                </p:cTn>
+                              </p:par>
+                            </p:childTnLst>
+                          </p:cTn>
+                        </p:par>
+                      </p:childTnLst>
+                    </p:cTn>
+                  </p:par>
+                </p:childTnLst>
+              </p:cTn>
+              <p:prevCondLst>
+                <p:cond evt="onPrev" delay="0">
+                  <p:tgtEl>
+                    <p:sldTgt/>
+                  </p:tgtEl>
+                </p:cond>
+              </p:prevCondLst>
+              <p:nextCondLst>
+                <p:cond evt="onNext" delay="0">
+                  <p:tgtEl>
+                    <p:sldTgt/>
+                  </p:tgtEl>
+                </p:cond>
+              </p:nextCondLst>
+            </p:seq>
+          </p:childTnLst>
+        </p:cTn>
+      </p:par>
+    </p:tnLst>
+    <p:bldLst>
+      <p:bldP spid="4" grpId="0" animBg="1"/>
+      <p:bldP spid="5" grpId="0" animBg="1"/>
+      <p:bldP spid="8" grpId="0" animBg="1"/>
+      <p:bldP spid="9" grpId="0" animBg="1"/>
+      <p:bldP spid="10" grpId="0" animBg="1"/>
+    </p:bldLst>
+  </p:timing>
 </p:sld>
 </file>
 
